--- a/Python4DS.pptx
+++ b/Python4DS.pptx
@@ -5,23 +5,25 @@
     <p:sldMasterId id="2147483648" r:id="rId1"/>
   </p:sldMasterIdLst>
   <p:notesMasterIdLst>
-    <p:notesMasterId r:id="rId16"/>
+    <p:notesMasterId r:id="rId18"/>
   </p:notesMasterIdLst>
   <p:sldIdLst>
     <p:sldId id="256" r:id="rId2"/>
     <p:sldId id="279" r:id="rId3"/>
     <p:sldId id="281" r:id="rId4"/>
-    <p:sldId id="280" r:id="rId5"/>
-    <p:sldId id="283" r:id="rId6"/>
-    <p:sldId id="286" r:id="rId7"/>
-    <p:sldId id="287" r:id="rId8"/>
-    <p:sldId id="289" r:id="rId9"/>
-    <p:sldId id="288" r:id="rId10"/>
-    <p:sldId id="290" r:id="rId11"/>
+    <p:sldId id="286" r:id="rId5"/>
+    <p:sldId id="287" r:id="rId6"/>
+    <p:sldId id="289" r:id="rId7"/>
+    <p:sldId id="288" r:id="rId8"/>
+    <p:sldId id="290" r:id="rId9"/>
+    <p:sldId id="297" r:id="rId10"/>
+    <p:sldId id="294" r:id="rId11"/>
     <p:sldId id="292" r:id="rId12"/>
     <p:sldId id="291" r:id="rId13"/>
     <p:sldId id="296" r:id="rId14"/>
-    <p:sldId id="294" r:id="rId15"/>
+    <p:sldId id="298" r:id="rId15"/>
+    <p:sldId id="299" r:id="rId16"/>
+    <p:sldId id="300" r:id="rId17"/>
   </p:sldIdLst>
   <p:sldSz cx="13004800" cy="7302500"/>
   <p:notesSz cx="6858000" cy="9144000"/>
@@ -1623,483 +1625,632 @@
       </p:grpSpPr>
       <p:sp>
         <p:nvSpPr>
+          <p:cNvPr id="4" name="Freeform 3"/>
+          <p:cNvSpPr/>
+          <p:nvPr/>
+        </p:nvSpPr>
+        <p:spPr>
+          <a:xfrm>
+            <a:off x="591127" y="429560"/>
+            <a:ext cx="11822543" cy="6443380"/>
+          </a:xfrm>
+          <a:custGeom>
+            <a:avLst/>
+            <a:gdLst>
+              <a:gd name="connsiteX0" fmla="*/ 0 w 9143998"/>
+              <a:gd name="connsiteY0" fmla="*/ 0 h 6857998"/>
+              <a:gd name="connsiteX1" fmla="*/ 9143998 w 9143998"/>
+              <a:gd name="connsiteY1" fmla="*/ 0 h 6857998"/>
+              <a:gd name="connsiteX2" fmla="*/ 9143998 w 9143998"/>
+              <a:gd name="connsiteY2" fmla="*/ 6857998 h 6857998"/>
+              <a:gd name="connsiteX3" fmla="*/ 0 w 9143998"/>
+              <a:gd name="connsiteY3" fmla="*/ 6857998 h 6857998"/>
+              <a:gd name="connsiteX4" fmla="*/ 0 w 9143998"/>
+              <a:gd name="connsiteY4" fmla="*/ 0 h 6857998"/>
+            </a:gdLst>
+            <a:ahLst/>
+            <a:cxnLst>
+              <a:cxn ang="0">
+                <a:pos x="connsiteX0" y="connsiteY0"/>
+              </a:cxn>
+              <a:cxn ang="1">
+                <a:pos x="connsiteX1" y="connsiteY1"/>
+              </a:cxn>
+              <a:cxn ang="2">
+                <a:pos x="connsiteX2" y="connsiteY2"/>
+              </a:cxn>
+              <a:cxn ang="3">
+                <a:pos x="connsiteX3" y="connsiteY3"/>
+              </a:cxn>
+              <a:cxn ang="4">
+                <a:pos x="connsiteX4" y="connsiteY4"/>
+              </a:cxn>
+            </a:cxnLst>
+            <a:rect l="l" t="t" r="r" b="b"/>
+            <a:pathLst>
+              <a:path w="9143998" h="6857998">
+                <a:moveTo>
+                  <a:pt x="0" y="0"/>
+                </a:moveTo>
+                <a:lnTo>
+                  <a:pt x="9143998" y="0"/>
+                </a:lnTo>
+                <a:lnTo>
+                  <a:pt x="9143998" y="6857998"/>
+                </a:lnTo>
+                <a:lnTo>
+                  <a:pt x="0" y="6857998"/>
+                </a:lnTo>
+                <a:lnTo>
+                  <a:pt x="0" y="0"/>
+                </a:lnTo>
+              </a:path>
+            </a:pathLst>
+          </a:custGeom>
+          <a:solidFill>
+            <a:srgbClr val="FFFFFF">
+              <a:alpha val="100000"/>
+            </a:srgbClr>
+          </a:solidFill>
+          <a:ln w="12700">
+            <a:solidFill>
+              <a:srgbClr val="000000">
+                <a:alpha val="0"/>
+              </a:srgbClr>
+            </a:solidFill>
+            <a:prstDash val="solid"/>
+          </a:ln>
+        </p:spPr>
+        <p:style>
+          <a:lnRef idx="2">
+            <a:schemeClr val="accent1">
+              <a:shade val="50000"/>
+            </a:schemeClr>
+          </a:lnRef>
+          <a:fillRef idx="1">
+            <a:schemeClr val="accent1"/>
+          </a:fillRef>
+          <a:effectRef idx="0">
+            <a:schemeClr val="accent1"/>
+          </a:effectRef>
+          <a:fontRef idx="minor">
+            <a:schemeClr val="lt1"/>
+          </a:fontRef>
+        </p:style>
+        <p:txBody>
+          <a:bodyPr rtlCol="0" anchor="ctr"/>
+          <a:lstStyle/>
+          <a:p>
+            <a:pPr algn="ctr"/>
+            <a:endParaRPr lang="zh-CN" altLang="en-US"/>
+          </a:p>
+        </p:txBody>
+      </p:sp>
+      <p:sp>
+        <p:nvSpPr>
+          <p:cNvPr id="3" name="Freeform 3"/>
+          <p:cNvSpPr/>
+          <p:nvPr/>
+        </p:nvSpPr>
+        <p:spPr>
+          <a:xfrm>
+            <a:off x="1124175" y="1803573"/>
+            <a:ext cx="1050893" cy="23864"/>
+          </a:xfrm>
+          <a:custGeom>
+            <a:avLst/>
+            <a:gdLst>
+              <a:gd name="connsiteX0" fmla="*/ 0 w 812800"/>
+              <a:gd name="connsiteY0" fmla="*/ 12700 h 25400"/>
+              <a:gd name="connsiteX1" fmla="*/ 812800 w 812800"/>
+              <a:gd name="connsiteY1" fmla="*/ 12700 h 25400"/>
+            </a:gdLst>
+            <a:ahLst/>
+            <a:cxnLst>
+              <a:cxn ang="0">
+                <a:pos x="connsiteX0" y="connsiteY0"/>
+              </a:cxn>
+              <a:cxn ang="1">
+                <a:pos x="connsiteX1" y="connsiteY1"/>
+              </a:cxn>
+            </a:cxnLst>
+            <a:rect l="l" t="t" r="r" b="b"/>
+            <a:pathLst>
+              <a:path w="812800" h="25400">
+                <a:moveTo>
+                  <a:pt x="0" y="12700"/>
+                </a:moveTo>
+                <a:lnTo>
+                  <a:pt x="812800" y="12700"/>
+                </a:lnTo>
+              </a:path>
+            </a:pathLst>
+          </a:custGeom>
+          <a:ln w="12700">
+            <a:solidFill>
+              <a:srgbClr val="000000">
+                <a:alpha val="100000"/>
+              </a:srgbClr>
+            </a:solidFill>
+            <a:prstDash val="solid"/>
+          </a:ln>
+        </p:spPr>
+        <p:style>
+          <a:lnRef idx="1">
+            <a:schemeClr val="accent1"/>
+          </a:lnRef>
+          <a:fillRef idx="0">
+            <a:schemeClr val="accent1"/>
+          </a:fillRef>
+          <a:effectRef idx="0">
+            <a:schemeClr val="accent1"/>
+          </a:effectRef>
+          <a:fontRef idx="minor">
+            <a:schemeClr val="tx1"/>
+          </a:fontRef>
+        </p:style>
+        <p:txBody>
+          <a:bodyPr rtlCol="0" anchor="ctr"/>
+          <a:lstStyle/>
+          <a:p>
+            <a:pPr algn="ctr"/>
+            <a:endParaRPr lang="zh-CN" altLang="en-US"/>
+          </a:p>
+        </p:txBody>
+      </p:sp>
+      <p:pic>
+        <p:nvPicPr>
+          <p:cNvPr id="1027" name="Picture 3"/>
+          <p:cNvPicPr>
+            <a:picLocks noChangeAspect="1" noChangeArrowheads="1"/>
+          </p:cNvPicPr>
+          <p:nvPr/>
+        </p:nvPicPr>
+        <p:blipFill>
+          <a:blip r:embed="rId2"/>
+          <a:srcRect/>
+          <a:stretch>
+            <a:fillRect/>
+          </a:stretch>
+        </p:blipFill>
+        <p:spPr bwMode="auto">
+          <a:xfrm>
+            <a:off x="1330036" y="1968811"/>
+            <a:ext cx="7881697" cy="405694"/>
+          </a:xfrm>
+          <a:prstGeom prst="rect">
+            <a:avLst/>
+          </a:prstGeom>
+          <a:noFill/>
+        </p:spPr>
+      </p:pic>
+      <p:pic>
+        <p:nvPicPr>
+          <p:cNvPr id="5" name="Picture 3"/>
+          <p:cNvPicPr>
+            <a:picLocks noChangeAspect="1" noChangeArrowheads="1"/>
+          </p:cNvPicPr>
+          <p:nvPr/>
+        </p:nvPicPr>
+        <p:blipFill>
+          <a:blip r:embed="rId3"/>
+          <a:srcRect/>
+          <a:stretch>
+            <a:fillRect/>
+          </a:stretch>
+        </p:blipFill>
+        <p:spPr bwMode="auto">
+          <a:xfrm>
+            <a:off x="1297196" y="2863725"/>
+            <a:ext cx="7175628" cy="536949"/>
+          </a:xfrm>
+          <a:prstGeom prst="rect">
+            <a:avLst/>
+          </a:prstGeom>
+          <a:noFill/>
+        </p:spPr>
+      </p:pic>
+      <p:pic>
+        <p:nvPicPr>
+          <p:cNvPr id="6" name="Picture 3"/>
+          <p:cNvPicPr>
+            <a:picLocks noChangeAspect="1" noChangeArrowheads="1"/>
+          </p:cNvPicPr>
+          <p:nvPr/>
+        </p:nvPicPr>
+        <p:blipFill>
+          <a:blip r:embed="rId4"/>
+          <a:srcRect/>
+          <a:stretch>
+            <a:fillRect/>
+          </a:stretch>
+        </p:blipFill>
+        <p:spPr bwMode="auto">
+          <a:xfrm>
+            <a:off x="1215095" y="3961487"/>
+            <a:ext cx="6797964" cy="1384134"/>
+          </a:xfrm>
+          <a:prstGeom prst="rect">
+            <a:avLst/>
+          </a:prstGeom>
+          <a:noFill/>
+        </p:spPr>
+      </p:pic>
+      <p:pic>
+        <p:nvPicPr>
+          <p:cNvPr id="7" name="Picture 3"/>
+          <p:cNvPicPr>
+            <a:picLocks noChangeAspect="1" noChangeArrowheads="1"/>
+          </p:cNvPicPr>
+          <p:nvPr/>
+        </p:nvPicPr>
+        <p:blipFill>
+          <a:blip r:embed="rId5"/>
+          <a:srcRect/>
+          <a:stretch>
+            <a:fillRect/>
+          </a:stretch>
+        </p:blipFill>
+        <p:spPr bwMode="auto">
+          <a:xfrm>
+            <a:off x="1231515" y="5858705"/>
+            <a:ext cx="4302093" cy="501152"/>
+          </a:xfrm>
+          <a:prstGeom prst="rect">
+            <a:avLst/>
+          </a:prstGeom>
+          <a:noFill/>
+        </p:spPr>
+      </p:pic>
+      <p:pic>
+        <p:nvPicPr>
+          <p:cNvPr id="8" name="Picture 3"/>
+          <p:cNvPicPr>
+            <a:picLocks noChangeAspect="1" noChangeArrowheads="1"/>
+          </p:cNvPicPr>
+          <p:nvPr/>
+        </p:nvPicPr>
+        <p:blipFill>
+          <a:blip r:embed="rId6"/>
+          <a:srcRect/>
+          <a:stretch>
+            <a:fillRect/>
+          </a:stretch>
+        </p:blipFill>
+        <p:spPr bwMode="auto">
+          <a:xfrm>
+            <a:off x="9310255" y="1479591"/>
+            <a:ext cx="3119838" cy="2386438"/>
+          </a:xfrm>
+          <a:prstGeom prst="rect">
+            <a:avLst/>
+          </a:prstGeom>
+          <a:noFill/>
+        </p:spPr>
+      </p:pic>
+      <p:sp>
+        <p:nvSpPr>
           <p:cNvPr id="2" name="TextBox 1"/>
           <p:cNvSpPr txBox="1"/>
           <p:nvPr/>
         </p:nvSpPr>
         <p:spPr>
           <a:xfrm>
-            <a:off x="643006" y="659114"/>
-            <a:ext cx="7048153" cy="471924"/>
+            <a:off x="1116575" y="775593"/>
+            <a:ext cx="10836901" cy="2118529"/>
           </a:xfrm>
           <a:prstGeom prst="rect">
             <a:avLst/>
           </a:prstGeom>
           <a:noFill/>
-          <a:ln w="12700" cap="flat">
-            <a:noFill/>
-            <a:miter lim="400000"/>
-          </a:ln>
-          <a:effectLst/>
         </p:spPr>
-        <p:style>
-          <a:lnRef idx="0">
-            <a:scrgbClr r="0" g="0" b="0"/>
-          </a:lnRef>
-          <a:fillRef idx="0">
-            <a:scrgbClr r="0" g="0" b="0"/>
-          </a:fillRef>
-          <a:effectRef idx="0">
-            <a:scrgbClr r="0" g="0" b="0"/>
-          </a:effectRef>
-          <a:fontRef idx="none"/>
-        </p:style>
         <p:txBody>
-          <a:bodyPr rot="0" spcFirstLastPara="1" vertOverflow="overflow" horzOverflow="overflow" vert="horz" wrap="none" lIns="50800" tIns="50800" rIns="50800" bIns="50800" numCol="1" spcCol="38100" rtlCol="0" anchor="ctr">
+          <a:bodyPr wrap="none" lIns="0" tIns="0" rIns="0" rtlCol="0">
             <a:spAutoFit/>
           </a:bodyPr>
           <a:lstStyle/>
           <a:p>
-            <a:pPr marL="0" marR="0" indent="0" algn="l" defTabSz="1308100" rtl="0" fontAlgn="auto" latinLnBrk="1" hangingPunct="0">
+            <a:pPr>
               <a:lnSpc>
-                <a:spcPct val="100000"/>
+                <a:spcPts val="5300"/>
               </a:lnSpc>
-              <a:spcBef>
-                <a:spcPts val="0"/>
-              </a:spcBef>
-              <a:spcAft>
-                <a:spcPts val="0"/>
-              </a:spcAft>
-              <a:buClrTx/>
-              <a:buSzTx/>
-              <a:buFontTx/>
-              <a:buNone/>
-              <a:tabLst/>
+              <a:tabLst>
+                <a:tab pos="1143000" algn="l"/>
+              </a:tabLst>
             </a:pPr>
             <a:r>
-              <a:rPr kumimoji="0" lang="en-US" sz="2400" b="0" i="0" u="none" strike="noStrike" cap="none" spc="0" normalizeH="0" baseline="0" dirty="0" smtClean="0">
-                <a:ln>
-                  <a:noFill/>
-                </a:ln>
-                <a:solidFill>
-                  <a:srgbClr val="000000"/>
-                </a:solidFill>
-                <a:effectLst/>
-                <a:uFill>
-                  <a:solidFill>
-                    <a:srgbClr val="FFFFFF"/>
-                  </a:solidFill>
-                </a:uFill>
-                <a:latin typeface="News706BT-RomanC"/>
-                <a:ea typeface="News706BT-RomanC"/>
-                <a:cs typeface="News706BT-RomanC"/>
-                <a:sym typeface="News706BT-RomanC"/>
-              </a:rPr>
-              <a:t>IPython</a:t>
-            </a:r>
-            <a:r>
-              <a:rPr kumimoji="0" lang="en-US" sz="2400" b="0" i="0" u="none" strike="noStrike" cap="none" spc="0" normalizeH="0" dirty="0" smtClean="0">
-                <a:ln>
-                  <a:noFill/>
-                </a:ln>
-                <a:solidFill>
-                  <a:srgbClr val="000000"/>
-                </a:solidFill>
-                <a:effectLst/>
-                <a:uFill>
-                  <a:solidFill>
-                    <a:srgbClr val="FFFFFF"/>
-                  </a:solidFill>
-                </a:uFill>
-                <a:latin typeface="News706BT-RomanC"/>
-                <a:ea typeface="News706BT-RomanC"/>
-                <a:cs typeface="News706BT-RomanC"/>
-                <a:sym typeface="News706BT-RomanC"/>
-              </a:rPr>
-              <a:t> Notebook: </a:t>
-            </a:r>
-            <a:r>
-              <a:rPr kumimoji="0" lang="en-US" sz="2400" b="0" i="0" u="none" strike="noStrike" cap="none" spc="0" normalizeH="0" baseline="0" dirty="0" err="1" smtClean="0">
-                <a:ln>
-                  <a:noFill/>
-                </a:ln>
-                <a:solidFill>
-                  <a:srgbClr val="000000"/>
-                </a:solidFill>
-                <a:effectLst/>
-                <a:uFill>
-                  <a:solidFill>
-                    <a:srgbClr val="FFFFFF"/>
-                  </a:solidFill>
-                </a:uFill>
-                <a:latin typeface="News706BT-RomanC"/>
-                <a:ea typeface="News706BT-RomanC"/>
-                <a:cs typeface="News706BT-RomanC"/>
-                <a:sym typeface="News706BT-RomanC"/>
-              </a:rPr>
-              <a:t>Git</a:t>
-            </a:r>
-            <a:r>
-              <a:rPr kumimoji="0" lang="en-US" sz="2400" b="0" i="0" u="none" strike="noStrike" cap="none" spc="0" normalizeH="0" baseline="0" dirty="0" smtClean="0">
-                <a:ln>
-                  <a:noFill/>
-                </a:ln>
-                <a:solidFill>
-                  <a:srgbClr val="000000"/>
-                </a:solidFill>
-                <a:effectLst/>
-                <a:uFill>
-                  <a:solidFill>
-                    <a:srgbClr val="FFFFFF"/>
-                  </a:solidFill>
-                </a:uFill>
-                <a:latin typeface="News706BT-RomanC"/>
-                <a:ea typeface="News706BT-RomanC"/>
-                <a:cs typeface="News706BT-RomanC"/>
-                <a:sym typeface="News706BT-RomanC"/>
-              </a:rPr>
-              <a:t>, Pandas, </a:t>
-            </a:r>
-            <a:r>
-              <a:rPr kumimoji="0" lang="en-US" sz="2400" b="0" i="0" u="none" strike="noStrike" cap="none" spc="0" normalizeH="0" baseline="0" dirty="0" err="1" smtClean="0">
-                <a:ln>
-                  <a:noFill/>
-                </a:ln>
-                <a:solidFill>
-                  <a:srgbClr val="000000"/>
-                </a:solidFill>
-                <a:effectLst/>
-                <a:uFill>
-                  <a:solidFill>
-                    <a:srgbClr val="FFFFFF"/>
-                  </a:solidFill>
-                </a:uFill>
-                <a:latin typeface="News706BT-RomanC"/>
-                <a:ea typeface="News706BT-RomanC"/>
-                <a:cs typeface="News706BT-RomanC"/>
-                <a:sym typeface="News706BT-RomanC"/>
-              </a:rPr>
-              <a:t>Numpy</a:t>
-            </a:r>
-            <a:r>
-              <a:rPr lang="en-US" dirty="0" smtClean="0">
-                <a:solidFill>
-                  <a:srgbClr val="000000"/>
-                </a:solidFill>
-              </a:rPr>
-              <a:t>, </a:t>
-            </a:r>
-            <a:r>
-              <a:rPr lang="en-US" dirty="0" err="1" smtClean="0">
-                <a:solidFill>
-                  <a:srgbClr val="000000"/>
-                </a:solidFill>
-              </a:rPr>
-              <a:t>Matplotlib</a:t>
-            </a:r>
-            <a:endParaRPr kumimoji="0" lang="en-US" sz="2400" b="0" i="0" u="none" strike="noStrike" cap="none" spc="0" normalizeH="0" baseline="0" dirty="0">
-              <a:ln>
-                <a:noFill/>
-              </a:ln>
-              <a:solidFill>
-                <a:srgbClr val="000000"/>
-              </a:solidFill>
-              <a:effectLst/>
-              <a:uFill>
-                <a:solidFill>
-                  <a:srgbClr val="FFFFFF"/>
-                </a:solidFill>
-              </a:uFill>
-              <a:latin typeface="News706BT-RomanC"/>
-              <a:ea typeface="News706BT-RomanC"/>
-              <a:cs typeface="News706BT-RomanC"/>
-              <a:sym typeface="News706BT-RomanC"/>
-            </a:endParaRPr>
+              <a:rPr lang="en-US" altLang="zh-CN" dirty="0" smtClean="0"/>
+              <a:t>	</a:t>
+            </a:r>
+            <a:r>
+              <a:rPr lang="en-US" altLang="zh-CN" sz="4400" dirty="0" smtClean="0">
+                <a:solidFill>
+                  <a:srgbClr val="000000"/>
+                </a:solidFill>
+                <a:latin typeface="Calibri" pitchFamily="18" charset="0"/>
+                <a:cs typeface="Calibri" pitchFamily="18" charset="0"/>
+              </a:rPr>
+              <a:t>Machine Learning:   </a:t>
+            </a:r>
+            <a:r>
+              <a:rPr lang="en-US" altLang="zh-CN" sz="4400" dirty="0" smtClean="0">
+                <a:solidFill>
+                  <a:srgbClr val="000000"/>
+                </a:solidFill>
+                <a:latin typeface="Calibri" pitchFamily="18" charset="0"/>
+                <a:cs typeface="Calibri" pitchFamily="18" charset="0"/>
+              </a:rPr>
+              <a:t> Linear    </a:t>
+            </a:r>
+            <a:r>
+              <a:rPr lang="en-US" altLang="zh-CN" sz="4400" dirty="0" smtClean="0">
+                <a:solidFill>
+                  <a:srgbClr val="000000"/>
+                </a:solidFill>
+                <a:latin typeface="Calibri" pitchFamily="18" charset="0"/>
+                <a:cs typeface="Calibri" pitchFamily="18" charset="0"/>
+              </a:rPr>
+              <a:t>Regression   </a:t>
+            </a:r>
+            <a:r>
+              <a:rPr lang="en-US" altLang="zh-CN" sz="4400" dirty="0" smtClean="0">
+                <a:solidFill>
+                  <a:srgbClr val="000000"/>
+                </a:solidFill>
+                <a:latin typeface="Calibri" pitchFamily="18" charset="0"/>
+                <a:cs typeface="Calibri" pitchFamily="18" charset="0"/>
+              </a:rPr>
+              <a:t> </a:t>
+            </a:r>
+          </a:p>
+          <a:p>
+            <a:pPr>
+              <a:lnSpc>
+                <a:spcPts val="3000"/>
+              </a:lnSpc>
+              <a:tabLst>
+                <a:tab pos="1143000" algn="l"/>
+              </a:tabLst>
+            </a:pPr>
+            <a:r>
+              <a:rPr lang="en-US" altLang="zh-CN" dirty="0" smtClean="0"/>
+              <a:t>Model</a:t>
+            </a:r>
+            <a:r>
+              <a:rPr lang="en-US" altLang="zh-CN" sz="2400" dirty="0" smtClean="0">
+                <a:solidFill>
+                  <a:srgbClr val="000000"/>
+                </a:solidFill>
+                <a:latin typeface="Calibri" pitchFamily="18" charset="0"/>
+                <a:cs typeface="Calibri" pitchFamily="18" charset="0"/>
+              </a:rPr>
+              <a:t> </a:t>
+            </a:r>
+            <a:r>
+              <a:rPr lang="en-US" altLang="zh-CN" sz="2400" dirty="0" smtClean="0">
+                <a:solidFill>
+                  <a:srgbClr val="000000"/>
+                </a:solidFill>
+                <a:latin typeface="Calibri" pitchFamily="18" charset="0"/>
+                <a:cs typeface="Calibri" pitchFamily="18" charset="0"/>
+              </a:rPr>
+              <a:t>     </a:t>
+            </a:r>
+          </a:p>
+          <a:p>
+            <a:pPr>
+              <a:lnSpc>
+                <a:spcPts val="1000"/>
+              </a:lnSpc>
+            </a:pPr>
+            <a:endParaRPr lang="en-US" altLang="zh-CN" dirty="0" smtClean="0"/>
+          </a:p>
+          <a:p>
+            <a:pPr>
+              <a:lnSpc>
+                <a:spcPts val="1000"/>
+              </a:lnSpc>
+            </a:pPr>
+            <a:endParaRPr lang="en-US" altLang="zh-CN" dirty="0" smtClean="0"/>
+          </a:p>
+          <a:p>
+            <a:pPr>
+              <a:lnSpc>
+                <a:spcPts val="1000"/>
+              </a:lnSpc>
+            </a:pPr>
+            <a:endParaRPr lang="en-US" altLang="zh-CN" dirty="0" smtClean="0"/>
+          </a:p>
+          <a:p>
+            <a:pPr>
+              <a:lnSpc>
+                <a:spcPts val="1000"/>
+              </a:lnSpc>
+            </a:pPr>
+            <a:endParaRPr lang="en-US" altLang="zh-CN" dirty="0" smtClean="0"/>
+          </a:p>
+          <a:p>
+            <a:pPr>
+              <a:lnSpc>
+                <a:spcPts val="1000"/>
+              </a:lnSpc>
+            </a:pPr>
+            <a:endParaRPr lang="en-US" altLang="zh-CN" dirty="0" smtClean="0"/>
+          </a:p>
+          <a:p>
+            <a:pPr>
+              <a:lnSpc>
+                <a:spcPts val="2900"/>
+              </a:lnSpc>
+              <a:tabLst>
+                <a:tab pos="1143000" algn="l"/>
+              </a:tabLst>
+            </a:pPr>
+            <a:r>
+              <a:rPr lang="en-US" altLang="zh-CN" sz="2400" u="sng" dirty="0" smtClean="0">
+                <a:solidFill>
+                  <a:srgbClr val="000000"/>
+                </a:solidFill>
+                <a:latin typeface="Calibri" pitchFamily="18" charset="0"/>
+                <a:cs typeface="Calibri" pitchFamily="18" charset="0"/>
+              </a:rPr>
+              <a:t>Fitted   </a:t>
+            </a:r>
+            <a:r>
+              <a:rPr lang="en-US" altLang="zh-CN" sz="2400" u="sng" dirty="0" smtClean="0">
+                <a:solidFill>
+                  <a:srgbClr val="000000"/>
+                </a:solidFill>
+                <a:latin typeface="Calibri" pitchFamily="18" charset="0"/>
+                <a:cs typeface="Calibri" pitchFamily="18" charset="0"/>
+              </a:rPr>
+              <a:t> Value   </a:t>
+            </a:r>
+            <a:r>
+              <a:rPr lang="en-US" altLang="zh-CN" sz="2400" dirty="0" smtClean="0">
+                <a:solidFill>
+                  <a:srgbClr val="000000"/>
+                </a:solidFill>
+                <a:latin typeface="Calibri" pitchFamily="18" charset="0"/>
+                <a:cs typeface="Calibri" pitchFamily="18" charset="0"/>
+              </a:rPr>
+              <a:t> </a:t>
+            </a:r>
           </a:p>
         </p:txBody>
       </p:sp>
       <p:sp>
         <p:nvSpPr>
-          <p:cNvPr id="3" name="TextBox 2"/>
+          <p:cNvPr id="9" name="TextBox 1"/>
           <p:cNvSpPr txBox="1"/>
           <p:nvPr/>
         </p:nvSpPr>
         <p:spPr>
           <a:xfrm>
-            <a:off x="851983" y="975708"/>
-            <a:ext cx="10641986" cy="6011901"/>
+            <a:off x="1132994" y="3603521"/>
+            <a:ext cx="3964276" cy="415498"/>
           </a:xfrm>
           <a:prstGeom prst="rect">
             <a:avLst/>
           </a:prstGeom>
           <a:noFill/>
-          <a:ln w="12700" cap="flat">
-            <a:noFill/>
-            <a:miter lim="400000"/>
-          </a:ln>
-          <a:effectLst/>
         </p:spPr>
-        <p:style>
-          <a:lnRef idx="0">
-            <a:scrgbClr r="0" g="0" b="0"/>
-          </a:lnRef>
-          <a:fillRef idx="0">
-            <a:scrgbClr r="0" g="0" b="0"/>
-          </a:fillRef>
-          <a:effectRef idx="0">
-            <a:scrgbClr r="0" g="0" b="0"/>
-          </a:effectRef>
-          <a:fontRef idx="none"/>
-        </p:style>
         <p:txBody>
-          <a:bodyPr rot="0" spcFirstLastPara="1" vertOverflow="overflow" horzOverflow="overflow" vert="horz" wrap="none" lIns="50800" tIns="50800" rIns="50800" bIns="50800" numCol="1" spcCol="38100" rtlCol="0" anchor="ctr">
+          <a:bodyPr wrap="none" lIns="0" tIns="0" rIns="0" rtlCol="0">
             <a:spAutoFit/>
           </a:bodyPr>
           <a:lstStyle/>
           <a:p>
-            <a:pPr algn="l" rtl="0" latinLnBrk="1" hangingPunct="0"/>
-            <a:endParaRPr lang="en-US" dirty="0" smtClean="0"/>
-          </a:p>
-          <a:p>
-            <a:pPr algn="l" rtl="0" latinLnBrk="1" hangingPunct="0"/>
-            <a:r>
-              <a:rPr lang="en-US" dirty="0" smtClean="0"/>
-              <a:t>[fork on </a:t>
-            </a:r>
-            <a:r>
-              <a:rPr lang="en-US" dirty="0" err="1" smtClean="0"/>
-              <a:t>github</a:t>
-            </a:r>
-            <a:r>
-              <a:rPr lang="en-US" dirty="0" smtClean="0"/>
-              <a:t>]</a:t>
-            </a:r>
-          </a:p>
-          <a:p>
-            <a:pPr algn="l" rtl="0" latinLnBrk="1" hangingPunct="0"/>
-            <a:endParaRPr lang="en-US" dirty="0" smtClean="0"/>
-          </a:p>
-          <a:p>
-            <a:pPr algn="l" rtl="0" latinLnBrk="1" hangingPunct="0"/>
-            <a:r>
-              <a:rPr lang="en-US" dirty="0" err="1" smtClean="0"/>
-              <a:t>scott</a:t>
-            </a:r>
-            <a:r>
-              <a:rPr lang="en-US" dirty="0"/>
-              <a:t>$ </a:t>
-            </a:r>
-            <a:r>
-              <a:rPr lang="en-US" dirty="0" err="1"/>
-              <a:t>git</a:t>
-            </a:r>
-            <a:r>
-              <a:rPr lang="en-US" dirty="0"/>
-              <a:t> clone </a:t>
-            </a:r>
-            <a:r>
-              <a:rPr lang="en-US" dirty="0">
-                <a:hlinkClick r:id="rId2"/>
-              </a:rPr>
-              <a:t>https://github.com/scottlittle/</a:t>
-            </a:r>
-            <a:r>
-              <a:rPr lang="en-US" dirty="0" smtClean="0">
-                <a:hlinkClick r:id="rId2"/>
-              </a:rPr>
-              <a:t>python4ds</a:t>
-            </a:r>
-            <a:endParaRPr lang="en-US" dirty="0" smtClean="0"/>
-          </a:p>
-          <a:p>
-            <a:pPr algn="l" rtl="0" latinLnBrk="1" hangingPunct="0"/>
-            <a:r>
-              <a:rPr lang="en-US" dirty="0" err="1" smtClean="0"/>
-              <a:t>scott</a:t>
-            </a:r>
-            <a:r>
-              <a:rPr lang="en-US" dirty="0"/>
-              <a:t>$ cd python4ds/</a:t>
-            </a:r>
-            <a:endParaRPr lang="en-US" dirty="0" smtClean="0"/>
-          </a:p>
-          <a:p>
-            <a:pPr algn="l" rtl="0" latinLnBrk="1" hangingPunct="0"/>
-            <a:endParaRPr lang="en-US" dirty="0"/>
-          </a:p>
-          <a:p>
-            <a:pPr algn="l" rtl="0" latinLnBrk="1" hangingPunct="0"/>
-            <a:endParaRPr lang="en-US" dirty="0" smtClean="0"/>
-          </a:p>
-          <a:p>
-            <a:pPr algn="l" rtl="0" latinLnBrk="1" hangingPunct="0"/>
-            <a:r>
-              <a:rPr lang="en-US" dirty="0" err="1" smtClean="0"/>
-              <a:t>scott</a:t>
-            </a:r>
-            <a:r>
-              <a:rPr lang="en-US" dirty="0"/>
-              <a:t>$ </a:t>
-            </a:r>
-            <a:r>
-              <a:rPr lang="en-US" dirty="0" err="1"/>
-              <a:t>ipython</a:t>
-            </a:r>
-            <a:r>
-              <a:rPr lang="en-US" dirty="0"/>
-              <a:t> </a:t>
-            </a:r>
-            <a:r>
-              <a:rPr lang="en-US" dirty="0" smtClean="0"/>
-              <a:t>notebook</a:t>
-            </a:r>
-          </a:p>
-          <a:p>
-            <a:pPr algn="l" rtl="0" latinLnBrk="1" hangingPunct="0"/>
-            <a:endParaRPr lang="en-US" dirty="0" smtClean="0"/>
-          </a:p>
-          <a:p>
-            <a:pPr algn="l" rtl="0" latinLnBrk="1" hangingPunct="0"/>
-            <a:r>
-              <a:rPr lang="en-US" dirty="0" smtClean="0"/>
-              <a:t>[IPNB: </a:t>
-            </a:r>
-            <a:r>
-              <a:rPr lang="pt-BR" dirty="0">
-                <a:hlinkClick r:id="rId3"/>
-              </a:rPr>
-              <a:t>http://localhost:8888/notebooks/Documents/python4ds/</a:t>
-            </a:r>
-            <a:r>
-              <a:rPr lang="pt-BR" dirty="0" smtClean="0">
-                <a:hlinkClick r:id="rId3"/>
-              </a:rPr>
-              <a:t>sandbox.ipynb</a:t>
-            </a:r>
-            <a:r>
-              <a:rPr lang="pt-BR" dirty="0" smtClean="0"/>
-              <a:t>]</a:t>
-            </a:r>
-          </a:p>
-          <a:p>
-            <a:pPr algn="l" rtl="0" latinLnBrk="1" hangingPunct="0"/>
-            <a:endParaRPr lang="en-US" dirty="0" smtClean="0"/>
-          </a:p>
-          <a:p>
-            <a:pPr algn="l" rtl="0" latinLnBrk="1" hangingPunct="0"/>
-            <a:r>
-              <a:rPr lang="en-US" dirty="0" err="1"/>
-              <a:t>scott</a:t>
-            </a:r>
-            <a:r>
-              <a:rPr lang="en-US" dirty="0"/>
-              <a:t>$ </a:t>
-            </a:r>
-            <a:r>
-              <a:rPr lang="en-US" dirty="0" err="1"/>
-              <a:t>git</a:t>
-            </a:r>
-            <a:r>
-              <a:rPr lang="en-US" dirty="0"/>
-              <a:t> add </a:t>
-            </a:r>
-            <a:r>
-              <a:rPr lang="en-US" dirty="0" smtClean="0"/>
-              <a:t>.</a:t>
-            </a:r>
-          </a:p>
-          <a:p>
-            <a:pPr algn="l" rtl="0" latinLnBrk="1" hangingPunct="0"/>
-            <a:r>
-              <a:rPr lang="en-US" dirty="0" err="1" smtClean="0"/>
-              <a:t>scott</a:t>
-            </a:r>
-            <a:r>
-              <a:rPr lang="en-US" dirty="0"/>
-              <a:t>$ </a:t>
-            </a:r>
-            <a:r>
-              <a:rPr lang="en-US" dirty="0" err="1"/>
-              <a:t>git</a:t>
-            </a:r>
-            <a:r>
-              <a:rPr lang="en-US" dirty="0"/>
-              <a:t> commit -m "first </a:t>
-            </a:r>
-            <a:r>
-              <a:rPr lang="en-US" dirty="0" smtClean="0"/>
-              <a:t>commit”</a:t>
-            </a:r>
-          </a:p>
-          <a:p>
-            <a:pPr algn="l" rtl="0" latinLnBrk="1" hangingPunct="0"/>
-            <a:r>
-              <a:rPr lang="en-US" dirty="0" err="1" smtClean="0"/>
-              <a:t>scott</a:t>
-            </a:r>
-            <a:r>
-              <a:rPr lang="en-US" dirty="0"/>
-              <a:t>$ </a:t>
-            </a:r>
-            <a:r>
-              <a:rPr lang="en-US" dirty="0" err="1"/>
-              <a:t>git</a:t>
-            </a:r>
-            <a:r>
-              <a:rPr lang="en-US" dirty="0"/>
-              <a:t> </a:t>
-            </a:r>
-            <a:r>
-              <a:rPr lang="en-US" dirty="0" smtClean="0"/>
-              <a:t>push</a:t>
-            </a:r>
-            <a:endParaRPr lang="en-US" dirty="0"/>
-          </a:p>
-          <a:p>
-            <a:pPr algn="l" rtl="0" latinLnBrk="1" hangingPunct="0"/>
-            <a:endParaRPr lang="en-US" dirty="0" smtClean="0"/>
-          </a:p>
-          <a:p>
-            <a:pPr algn="l" rtl="0" latinLnBrk="1" hangingPunct="0"/>
-            <a:endParaRPr kumimoji="0" lang="en-US" sz="2400" b="0" i="0" u="none" strike="noStrike" cap="none" spc="0" normalizeH="0" baseline="0" dirty="0">
-              <a:ln>
-                <a:noFill/>
-              </a:ln>
-              <a:solidFill>
-                <a:srgbClr val="000000"/>
-              </a:solidFill>
-              <a:effectLst/>
-              <a:uFill>
-                <a:solidFill>
-                  <a:srgbClr val="FFFFFF"/>
-                </a:solidFill>
-              </a:uFill>
-              <a:latin typeface="News706BT-RomanC"/>
-              <a:ea typeface="News706BT-RomanC"/>
-              <a:cs typeface="News706BT-RomanC"/>
-              <a:sym typeface="News706BT-RomanC"/>
-            </a:endParaRPr>
+            <a:pPr>
+              <a:lnSpc>
+                <a:spcPts val="2900"/>
+              </a:lnSpc>
+              <a:tabLst/>
+            </a:pPr>
+            <a:r>
+              <a:rPr lang="en-US" altLang="zh-CN" sz="2400" u="sng" dirty="0" smtClean="0">
+                <a:solidFill>
+                  <a:srgbClr val="000000"/>
+                </a:solidFill>
+                <a:latin typeface="Calibri" pitchFamily="18" charset="0"/>
+                <a:cs typeface="Calibri" pitchFamily="18" charset="0"/>
+              </a:rPr>
+              <a:t>Residual    Sum    of    Squares</a:t>
+            </a:r>
+            <a:r>
+              <a:rPr lang="en-US" altLang="zh-CN" sz="2400" dirty="0" smtClean="0">
+                <a:solidFill>
+                  <a:srgbClr val="000000"/>
+                </a:solidFill>
+                <a:latin typeface="Calibri" pitchFamily="18" charset="0"/>
+                <a:cs typeface="Calibri" pitchFamily="18" charset="0"/>
+              </a:rPr>
+              <a:t>    </a:t>
+            </a:r>
+          </a:p>
+        </p:txBody>
+      </p:sp>
+      <p:sp>
+        <p:nvSpPr>
+          <p:cNvPr id="10" name="TextBox 1"/>
+          <p:cNvSpPr txBox="1"/>
+          <p:nvPr/>
+        </p:nvSpPr>
+        <p:spPr>
+          <a:xfrm>
+            <a:off x="1182255" y="5405282"/>
+            <a:ext cx="3361347" cy="415498"/>
+          </a:xfrm>
+          <a:prstGeom prst="rect">
+            <a:avLst/>
+          </a:prstGeom>
+          <a:noFill/>
+        </p:spPr>
+        <p:txBody>
+          <a:bodyPr wrap="none" lIns="0" tIns="0" rIns="0" rtlCol="0">
+            <a:spAutoFit/>
+          </a:bodyPr>
+          <a:lstStyle/>
+          <a:p>
+            <a:pPr>
+              <a:lnSpc>
+                <a:spcPts val="2900"/>
+              </a:lnSpc>
+              <a:tabLst/>
+            </a:pPr>
+            <a:r>
+              <a:rPr lang="en-US" altLang="zh-CN" sz="2400" u="sng" dirty="0" smtClean="0">
+                <a:solidFill>
+                  <a:srgbClr val="000000"/>
+                </a:solidFill>
+                <a:latin typeface="Calibri" pitchFamily="18" charset="0"/>
+                <a:cs typeface="Calibri" pitchFamily="18" charset="0"/>
+              </a:rPr>
+              <a:t>Coeﬃcient    </a:t>
+            </a:r>
+            <a:r>
+              <a:rPr lang="en-US" altLang="zh-CN" sz="2400" u="sng" dirty="0" err="1" smtClean="0">
+                <a:solidFill>
+                  <a:srgbClr val="000000"/>
+                </a:solidFill>
+                <a:latin typeface="Calibri" pitchFamily="18" charset="0"/>
+                <a:cs typeface="Calibri" pitchFamily="18" charset="0"/>
+              </a:rPr>
+              <a:t>Estimmates</a:t>
+            </a:r>
+            <a:r>
+              <a:rPr lang="en-US" altLang="zh-CN" sz="2400" u="sng" dirty="0" smtClean="0">
+                <a:solidFill>
+                  <a:srgbClr val="000000"/>
+                </a:solidFill>
+                <a:latin typeface="Calibri" pitchFamily="18" charset="0"/>
+                <a:cs typeface="Calibri" pitchFamily="18" charset="0"/>
+              </a:rPr>
+              <a:t>   </a:t>
+            </a:r>
+            <a:r>
+              <a:rPr lang="en-US" altLang="zh-CN" sz="2400" dirty="0" smtClean="0">
+                <a:solidFill>
+                  <a:srgbClr val="000000"/>
+                </a:solidFill>
+                <a:latin typeface="Calibri" pitchFamily="18" charset="0"/>
+                <a:cs typeface="Calibri" pitchFamily="18" charset="0"/>
+              </a:rPr>
+              <a:t> </a:t>
+            </a:r>
           </a:p>
         </p:txBody>
       </p:sp>
     </p:spTree>
     <p:extLst>
       <p:ext uri="{BB962C8B-B14F-4D97-AF65-F5344CB8AC3E}">
-        <p14:creationId xmlns:p14="http://schemas.microsoft.com/office/powerpoint/2010/main" val="1272931153"/>
+        <p14:creationId xmlns:p14="http://schemas.microsoft.com/office/powerpoint/2010/main" val="3277584553"/>
       </p:ext>
     </p:extLst>
   </p:cSld>
   <p:clrMapOvr>
     <a:masterClrMapping/>
   </p:clrMapOvr>
-  <p:transition xmlns:p14="http://schemas.microsoft.com/office/powerpoint/2010/main" spd="med"/>
-  <p:timing>
-    <p:tnLst>
-      <p:par>
-        <p:cTn xmlns:p14="http://schemas.microsoft.com/office/powerpoint/2010/main" id="1" dur="indefinite" restart="never" nodeType="tmRoot"/>
-      </p:par>
-    </p:tnLst>
-  </p:timing>
 </p:sld>
 </file>
 
@@ -2417,6 +2568,13 @@
     <a:masterClrMapping/>
   </p:clrMapOvr>
   <p:transition xmlns:p14="http://schemas.microsoft.com/office/powerpoint/2010/main" spd="med"/>
+  <p:timing>
+    <p:tnLst>
+      <p:par>
+        <p:cTn xmlns:p14="http://schemas.microsoft.com/office/powerpoint/2010/main" id="1" dur="indefinite" restart="never" nodeType="tmRoot"/>
+      </p:par>
+    </p:tnLst>
+  </p:timing>
 </p:sld>
 </file>
 
@@ -4138,626 +4296,194 @@
       </p:grpSpPr>
       <p:sp>
         <p:nvSpPr>
-          <p:cNvPr id="4" name="Freeform 3"/>
-          <p:cNvSpPr/>
-          <p:nvPr/>
+          <p:cNvPr id="2" name="Title 1"/>
+          <p:cNvSpPr>
+            <a:spLocks noGrp="1"/>
+          </p:cNvSpPr>
+          <p:nvPr>
+            <p:ph type="ctrTitle"/>
+          </p:nvPr>
         </p:nvSpPr>
-        <p:spPr>
-          <a:xfrm>
-            <a:off x="591127" y="429560"/>
-            <a:ext cx="11822543" cy="6443380"/>
-          </a:xfrm>
-          <a:custGeom>
-            <a:avLst/>
-            <a:gdLst>
-              <a:gd name="connsiteX0" fmla="*/ 0 w 9143998"/>
-              <a:gd name="connsiteY0" fmla="*/ 0 h 6857998"/>
-              <a:gd name="connsiteX1" fmla="*/ 9143998 w 9143998"/>
-              <a:gd name="connsiteY1" fmla="*/ 0 h 6857998"/>
-              <a:gd name="connsiteX2" fmla="*/ 9143998 w 9143998"/>
-              <a:gd name="connsiteY2" fmla="*/ 6857998 h 6857998"/>
-              <a:gd name="connsiteX3" fmla="*/ 0 w 9143998"/>
-              <a:gd name="connsiteY3" fmla="*/ 6857998 h 6857998"/>
-              <a:gd name="connsiteX4" fmla="*/ 0 w 9143998"/>
-              <a:gd name="connsiteY4" fmla="*/ 0 h 6857998"/>
-            </a:gdLst>
-            <a:ahLst/>
-            <a:cxnLst>
-              <a:cxn ang="0">
-                <a:pos x="connsiteX0" y="connsiteY0"/>
-              </a:cxn>
-              <a:cxn ang="1">
-                <a:pos x="connsiteX1" y="connsiteY1"/>
-              </a:cxn>
-              <a:cxn ang="2">
-                <a:pos x="connsiteX2" y="connsiteY2"/>
-              </a:cxn>
-              <a:cxn ang="3">
-                <a:pos x="connsiteX3" y="connsiteY3"/>
-              </a:cxn>
-              <a:cxn ang="4">
-                <a:pos x="connsiteX4" y="connsiteY4"/>
-              </a:cxn>
-            </a:cxnLst>
-            <a:rect l="l" t="t" r="r" b="b"/>
-            <a:pathLst>
-              <a:path w="9143998" h="6857998">
-                <a:moveTo>
-                  <a:pt x="0" y="0"/>
-                </a:moveTo>
-                <a:lnTo>
-                  <a:pt x="9143998" y="0"/>
-                </a:lnTo>
-                <a:lnTo>
-                  <a:pt x="9143998" y="6857998"/>
-                </a:lnTo>
-                <a:lnTo>
-                  <a:pt x="0" y="6857998"/>
-                </a:lnTo>
-                <a:lnTo>
-                  <a:pt x="0" y="0"/>
-                </a:lnTo>
-              </a:path>
-            </a:pathLst>
-          </a:custGeom>
-          <a:solidFill>
-            <a:srgbClr val="FFFFFF">
-              <a:alpha val="100000"/>
-            </a:srgbClr>
-          </a:solidFill>
-          <a:ln w="12700">
-            <a:solidFill>
-              <a:srgbClr val="000000">
-                <a:alpha val="0"/>
-              </a:srgbClr>
-            </a:solidFill>
-            <a:prstDash val="solid"/>
-          </a:ln>
-        </p:spPr>
-        <p:style>
-          <a:lnRef idx="2">
-            <a:schemeClr val="accent1">
-              <a:shade val="50000"/>
-            </a:schemeClr>
-          </a:lnRef>
-          <a:fillRef idx="1">
-            <a:schemeClr val="accent1"/>
-          </a:fillRef>
-          <a:effectRef idx="0">
-            <a:schemeClr val="accent1"/>
-          </a:effectRef>
-          <a:fontRef idx="minor">
-            <a:schemeClr val="lt1"/>
-          </a:fontRef>
-        </p:style>
+        <p:spPr/>
         <p:txBody>
-          <a:bodyPr rtlCol="0" anchor="ctr"/>
+          <a:bodyPr/>
           <a:lstStyle/>
           <a:p>
-            <a:pPr algn="ctr"/>
-            <a:endParaRPr lang="zh-CN" altLang="en-US"/>
+            <a:endParaRPr lang="en-US"/>
           </a:p>
         </p:txBody>
       </p:sp>
       <p:sp>
         <p:nvSpPr>
-          <p:cNvPr id="3" name="Freeform 3"/>
-          <p:cNvSpPr/>
-          <p:nvPr/>
+          <p:cNvPr id="3" name="Subtitle 2"/>
+          <p:cNvSpPr>
+            <a:spLocks noGrp="1"/>
+          </p:cNvSpPr>
+          <p:nvPr>
+            <p:ph type="subTitle" idx="1"/>
+          </p:nvPr>
         </p:nvSpPr>
-        <p:spPr>
-          <a:xfrm>
-            <a:off x="1124175" y="1803573"/>
-            <a:ext cx="1050893" cy="23864"/>
-          </a:xfrm>
-          <a:custGeom>
-            <a:avLst/>
-            <a:gdLst>
-              <a:gd name="connsiteX0" fmla="*/ 0 w 812800"/>
-              <a:gd name="connsiteY0" fmla="*/ 12700 h 25400"/>
-              <a:gd name="connsiteX1" fmla="*/ 812800 w 812800"/>
-              <a:gd name="connsiteY1" fmla="*/ 12700 h 25400"/>
-            </a:gdLst>
-            <a:ahLst/>
-            <a:cxnLst>
-              <a:cxn ang="0">
-                <a:pos x="connsiteX0" y="connsiteY0"/>
-              </a:cxn>
-              <a:cxn ang="1">
-                <a:pos x="connsiteX1" y="connsiteY1"/>
-              </a:cxn>
-            </a:cxnLst>
-            <a:rect l="l" t="t" r="r" b="b"/>
-            <a:pathLst>
-              <a:path w="812800" h="25400">
-                <a:moveTo>
-                  <a:pt x="0" y="12700"/>
-                </a:moveTo>
-                <a:lnTo>
-                  <a:pt x="812800" y="12700"/>
-                </a:lnTo>
-              </a:path>
-            </a:pathLst>
-          </a:custGeom>
-          <a:ln w="12700">
-            <a:solidFill>
-              <a:srgbClr val="000000">
-                <a:alpha val="100000"/>
-              </a:srgbClr>
-            </a:solidFill>
-            <a:prstDash val="solid"/>
-          </a:ln>
-        </p:spPr>
-        <p:style>
-          <a:lnRef idx="1">
-            <a:schemeClr val="accent1"/>
-          </a:lnRef>
-          <a:fillRef idx="0">
-            <a:schemeClr val="accent1"/>
-          </a:fillRef>
-          <a:effectRef idx="0">
-            <a:schemeClr val="accent1"/>
-          </a:effectRef>
-          <a:fontRef idx="minor">
-            <a:schemeClr val="tx1"/>
-          </a:fontRef>
-        </p:style>
+        <p:spPr/>
         <p:txBody>
-          <a:bodyPr rtlCol="0" anchor="ctr"/>
+          <a:bodyPr/>
           <a:lstStyle/>
           <a:p>
-            <a:pPr algn="ctr"/>
-            <a:endParaRPr lang="zh-CN" altLang="en-US"/>
-          </a:p>
-        </p:txBody>
-      </p:sp>
-      <p:pic>
-        <p:nvPicPr>
-          <p:cNvPr id="1027" name="Picture 3"/>
-          <p:cNvPicPr>
-            <a:picLocks noChangeAspect="1" noChangeArrowheads="1"/>
-          </p:cNvPicPr>
-          <p:nvPr/>
-        </p:nvPicPr>
-        <p:blipFill>
-          <a:blip r:embed="rId2"/>
-          <a:srcRect/>
-          <a:stretch>
-            <a:fillRect/>
-          </a:stretch>
-        </p:blipFill>
-        <p:spPr bwMode="auto">
-          <a:xfrm>
-            <a:off x="1330036" y="1968811"/>
-            <a:ext cx="7881697" cy="405694"/>
-          </a:xfrm>
-          <a:prstGeom prst="rect">
-            <a:avLst/>
-          </a:prstGeom>
-          <a:noFill/>
-        </p:spPr>
-      </p:pic>
-      <p:pic>
-        <p:nvPicPr>
-          <p:cNvPr id="5" name="Picture 3"/>
-          <p:cNvPicPr>
-            <a:picLocks noChangeAspect="1" noChangeArrowheads="1"/>
-          </p:cNvPicPr>
-          <p:nvPr/>
-        </p:nvPicPr>
-        <p:blipFill>
-          <a:blip r:embed="rId3"/>
-          <a:srcRect/>
-          <a:stretch>
-            <a:fillRect/>
-          </a:stretch>
-        </p:blipFill>
-        <p:spPr bwMode="auto">
-          <a:xfrm>
-            <a:off x="1297196" y="2863725"/>
-            <a:ext cx="7175628" cy="536949"/>
-          </a:xfrm>
-          <a:prstGeom prst="rect">
-            <a:avLst/>
-          </a:prstGeom>
-          <a:noFill/>
-        </p:spPr>
-      </p:pic>
-      <p:pic>
-        <p:nvPicPr>
-          <p:cNvPr id="6" name="Picture 3"/>
-          <p:cNvPicPr>
-            <a:picLocks noChangeAspect="1" noChangeArrowheads="1"/>
-          </p:cNvPicPr>
-          <p:nvPr/>
-        </p:nvPicPr>
-        <p:blipFill>
-          <a:blip r:embed="rId4"/>
-          <a:srcRect/>
-          <a:stretch>
-            <a:fillRect/>
-          </a:stretch>
-        </p:blipFill>
-        <p:spPr bwMode="auto">
-          <a:xfrm>
-            <a:off x="1215095" y="3961487"/>
-            <a:ext cx="6797964" cy="1384134"/>
-          </a:xfrm>
-          <a:prstGeom prst="rect">
-            <a:avLst/>
-          </a:prstGeom>
-          <a:noFill/>
-        </p:spPr>
-      </p:pic>
-      <p:pic>
-        <p:nvPicPr>
-          <p:cNvPr id="7" name="Picture 3"/>
-          <p:cNvPicPr>
-            <a:picLocks noChangeAspect="1" noChangeArrowheads="1"/>
-          </p:cNvPicPr>
-          <p:nvPr/>
-        </p:nvPicPr>
-        <p:blipFill>
-          <a:blip r:embed="rId5"/>
-          <a:srcRect/>
-          <a:stretch>
-            <a:fillRect/>
-          </a:stretch>
-        </p:blipFill>
-        <p:spPr bwMode="auto">
-          <a:xfrm>
-            <a:off x="1231515" y="5858705"/>
-            <a:ext cx="4302093" cy="501152"/>
-          </a:xfrm>
-          <a:prstGeom prst="rect">
-            <a:avLst/>
-          </a:prstGeom>
-          <a:noFill/>
-        </p:spPr>
-      </p:pic>
-      <p:pic>
-        <p:nvPicPr>
-          <p:cNvPr id="8" name="Picture 3"/>
-          <p:cNvPicPr>
-            <a:picLocks noChangeAspect="1" noChangeArrowheads="1"/>
-          </p:cNvPicPr>
-          <p:nvPr/>
-        </p:nvPicPr>
-        <p:blipFill>
-          <a:blip r:embed="rId6"/>
-          <a:srcRect/>
-          <a:stretch>
-            <a:fillRect/>
-          </a:stretch>
-        </p:blipFill>
-        <p:spPr bwMode="auto">
-          <a:xfrm>
-            <a:off x="9310255" y="1479591"/>
-            <a:ext cx="3119838" cy="2386438"/>
-          </a:xfrm>
-          <a:prstGeom prst="rect">
-            <a:avLst/>
-          </a:prstGeom>
-          <a:noFill/>
-        </p:spPr>
-      </p:pic>
-      <p:sp>
-        <p:nvSpPr>
-          <p:cNvPr id="2" name="TextBox 1"/>
-          <p:cNvSpPr txBox="1"/>
-          <p:nvPr/>
-        </p:nvSpPr>
-        <p:spPr>
-          <a:xfrm>
-            <a:off x="1116575" y="775593"/>
-            <a:ext cx="8520361" cy="2118529"/>
-          </a:xfrm>
-          <a:prstGeom prst="rect">
-            <a:avLst/>
-          </a:prstGeom>
-          <a:noFill/>
-        </p:spPr>
-        <p:txBody>
-          <a:bodyPr wrap="none" lIns="0" tIns="0" rIns="0" rtlCol="0">
-            <a:spAutoFit/>
-          </a:bodyPr>
-          <a:lstStyle/>
-          <a:p>
-            <a:pPr>
-              <a:lnSpc>
-                <a:spcPts val="5300"/>
-              </a:lnSpc>
-              <a:tabLst>
-                <a:tab pos="1143000" algn="l"/>
-              </a:tabLst>
-            </a:pPr>
-            <a:r>
-              <a:rPr lang="en-US" altLang="zh-CN" dirty="0" smtClean="0"/>
-              <a:t>	</a:t>
-            </a:r>
-            <a:r>
-              <a:rPr lang="en-US" altLang="zh-CN" sz="4400" dirty="0" smtClean="0">
-                <a:solidFill>
-                  <a:srgbClr val="000000"/>
-                </a:solidFill>
-                <a:latin typeface="Calibri" pitchFamily="18" charset="0"/>
-                <a:cs typeface="Calibri" pitchFamily="18" charset="0"/>
-              </a:rPr>
-              <a:t>Multiple   </a:t>
-            </a:r>
-            <a:r>
-              <a:rPr lang="en-US" altLang="zh-CN" sz="4400" dirty="0" smtClean="0">
-                <a:solidFill>
-                  <a:srgbClr val="000000"/>
-                </a:solidFill>
-                <a:latin typeface="Calibri" pitchFamily="18" charset="0"/>
-                <a:cs typeface="Calibri" pitchFamily="18" charset="0"/>
-              </a:rPr>
-              <a:t> Linear    </a:t>
-            </a:r>
-            <a:r>
-              <a:rPr lang="en-US" altLang="zh-CN" sz="4400" dirty="0" smtClean="0">
-                <a:solidFill>
-                  <a:srgbClr val="000000"/>
-                </a:solidFill>
-                <a:latin typeface="Calibri" pitchFamily="18" charset="0"/>
-                <a:cs typeface="Calibri" pitchFamily="18" charset="0"/>
-              </a:rPr>
-              <a:t>Regression   </a:t>
-            </a:r>
-            <a:r>
-              <a:rPr lang="en-US" altLang="zh-CN" sz="4400" dirty="0" smtClean="0">
-                <a:solidFill>
-                  <a:srgbClr val="000000"/>
-                </a:solidFill>
-                <a:latin typeface="Calibri" pitchFamily="18" charset="0"/>
-                <a:cs typeface="Calibri" pitchFamily="18" charset="0"/>
-              </a:rPr>
-              <a:t> </a:t>
-            </a:r>
-          </a:p>
-          <a:p>
-            <a:pPr>
-              <a:lnSpc>
-                <a:spcPts val="3000"/>
-              </a:lnSpc>
-              <a:tabLst>
-                <a:tab pos="1143000" algn="l"/>
-              </a:tabLst>
-            </a:pPr>
-            <a:r>
-              <a:rPr lang="en-US" altLang="zh-CN" dirty="0" smtClean="0"/>
-              <a:t>Model</a:t>
-            </a:r>
-            <a:r>
-              <a:rPr lang="en-US" altLang="zh-CN" sz="2400" dirty="0" smtClean="0">
-                <a:solidFill>
-                  <a:srgbClr val="000000"/>
-                </a:solidFill>
-                <a:latin typeface="Calibri" pitchFamily="18" charset="0"/>
-                <a:cs typeface="Calibri" pitchFamily="18" charset="0"/>
-              </a:rPr>
-              <a:t> </a:t>
-            </a:r>
-            <a:r>
-              <a:rPr lang="en-US" altLang="zh-CN" sz="2400" dirty="0" smtClean="0">
-                <a:solidFill>
-                  <a:srgbClr val="000000"/>
-                </a:solidFill>
-                <a:latin typeface="Calibri" pitchFamily="18" charset="0"/>
-                <a:cs typeface="Calibri" pitchFamily="18" charset="0"/>
-              </a:rPr>
-              <a:t>     </a:t>
-            </a:r>
-          </a:p>
-          <a:p>
-            <a:pPr>
-              <a:lnSpc>
-                <a:spcPts val="1000"/>
-              </a:lnSpc>
-            </a:pPr>
-            <a:endParaRPr lang="en-US" altLang="zh-CN" dirty="0" smtClean="0"/>
-          </a:p>
-          <a:p>
-            <a:pPr>
-              <a:lnSpc>
-                <a:spcPts val="1000"/>
-              </a:lnSpc>
-            </a:pPr>
-            <a:endParaRPr lang="en-US" altLang="zh-CN" dirty="0" smtClean="0"/>
-          </a:p>
-          <a:p>
-            <a:pPr>
-              <a:lnSpc>
-                <a:spcPts val="1000"/>
-              </a:lnSpc>
-            </a:pPr>
-            <a:endParaRPr lang="en-US" altLang="zh-CN" dirty="0" smtClean="0"/>
-          </a:p>
-          <a:p>
-            <a:pPr>
-              <a:lnSpc>
-                <a:spcPts val="1000"/>
-              </a:lnSpc>
-            </a:pPr>
-            <a:endParaRPr lang="en-US" altLang="zh-CN" dirty="0" smtClean="0"/>
-          </a:p>
-          <a:p>
-            <a:pPr>
-              <a:lnSpc>
-                <a:spcPts val="1000"/>
-              </a:lnSpc>
-            </a:pPr>
-            <a:endParaRPr lang="en-US" altLang="zh-CN" dirty="0" smtClean="0"/>
-          </a:p>
-          <a:p>
-            <a:pPr>
-              <a:lnSpc>
-                <a:spcPts val="2900"/>
-              </a:lnSpc>
-              <a:tabLst>
-                <a:tab pos="1143000" algn="l"/>
-              </a:tabLst>
-            </a:pPr>
-            <a:r>
-              <a:rPr lang="en-US" altLang="zh-CN" sz="2400" u="sng" dirty="0" smtClean="0">
-                <a:solidFill>
-                  <a:srgbClr val="000000"/>
-                </a:solidFill>
-                <a:latin typeface="Calibri" pitchFamily="18" charset="0"/>
-                <a:cs typeface="Calibri" pitchFamily="18" charset="0"/>
-              </a:rPr>
-              <a:t>Fitted   </a:t>
-            </a:r>
-            <a:r>
-              <a:rPr lang="en-US" altLang="zh-CN" sz="2400" u="sng" dirty="0" smtClean="0">
-                <a:solidFill>
-                  <a:srgbClr val="000000"/>
-                </a:solidFill>
-                <a:latin typeface="Calibri" pitchFamily="18" charset="0"/>
-                <a:cs typeface="Calibri" pitchFamily="18" charset="0"/>
-              </a:rPr>
-              <a:t> Value   </a:t>
-            </a:r>
-            <a:r>
-              <a:rPr lang="en-US" altLang="zh-CN" sz="2400" dirty="0" smtClean="0">
-                <a:solidFill>
-                  <a:srgbClr val="000000"/>
-                </a:solidFill>
-                <a:latin typeface="Calibri" pitchFamily="18" charset="0"/>
-                <a:cs typeface="Calibri" pitchFamily="18" charset="0"/>
-              </a:rPr>
-              <a:t> </a:t>
-            </a:r>
-          </a:p>
-        </p:txBody>
-      </p:sp>
-      <p:sp>
-        <p:nvSpPr>
-          <p:cNvPr id="9" name="TextBox 1"/>
-          <p:cNvSpPr txBox="1"/>
-          <p:nvPr/>
-        </p:nvSpPr>
-        <p:spPr>
-          <a:xfrm>
-            <a:off x="1132994" y="3603521"/>
-            <a:ext cx="3964276" cy="415498"/>
-          </a:xfrm>
-          <a:prstGeom prst="rect">
-            <a:avLst/>
-          </a:prstGeom>
-          <a:noFill/>
-        </p:spPr>
-        <p:txBody>
-          <a:bodyPr wrap="none" lIns="0" tIns="0" rIns="0" rtlCol="0">
-            <a:spAutoFit/>
-          </a:bodyPr>
-          <a:lstStyle/>
-          <a:p>
-            <a:pPr>
-              <a:lnSpc>
-                <a:spcPts val="2900"/>
-              </a:lnSpc>
-              <a:tabLst/>
-            </a:pPr>
-            <a:r>
-              <a:rPr lang="en-US" altLang="zh-CN" sz="2400" u="sng" dirty="0" smtClean="0">
-                <a:solidFill>
-                  <a:srgbClr val="000000"/>
-                </a:solidFill>
-                <a:latin typeface="Calibri" pitchFamily="18" charset="0"/>
-                <a:cs typeface="Calibri" pitchFamily="18" charset="0"/>
-              </a:rPr>
-              <a:t>Residual    Sum    of    Squares</a:t>
-            </a:r>
-            <a:r>
-              <a:rPr lang="en-US" altLang="zh-CN" sz="2400" dirty="0" smtClean="0">
-                <a:solidFill>
-                  <a:srgbClr val="000000"/>
-                </a:solidFill>
-                <a:latin typeface="Calibri" pitchFamily="18" charset="0"/>
-                <a:cs typeface="Calibri" pitchFamily="18" charset="0"/>
-              </a:rPr>
-              <a:t>    </a:t>
-            </a:r>
-          </a:p>
-        </p:txBody>
-      </p:sp>
-      <p:sp>
-        <p:nvSpPr>
-          <p:cNvPr id="10" name="TextBox 1"/>
-          <p:cNvSpPr txBox="1"/>
-          <p:nvPr/>
-        </p:nvSpPr>
-        <p:spPr>
-          <a:xfrm>
-            <a:off x="1182255" y="5405282"/>
-            <a:ext cx="3361347" cy="415498"/>
-          </a:xfrm>
-          <a:prstGeom prst="rect">
-            <a:avLst/>
-          </a:prstGeom>
-          <a:noFill/>
-        </p:spPr>
-        <p:txBody>
-          <a:bodyPr wrap="none" lIns="0" tIns="0" rIns="0" rtlCol="0">
-            <a:spAutoFit/>
-          </a:bodyPr>
-          <a:lstStyle/>
-          <a:p>
-            <a:pPr>
-              <a:lnSpc>
-                <a:spcPts val="2900"/>
-              </a:lnSpc>
-              <a:tabLst/>
-            </a:pPr>
-            <a:r>
-              <a:rPr lang="en-US" altLang="zh-CN" sz="2400" u="sng" dirty="0" smtClean="0">
-                <a:solidFill>
-                  <a:srgbClr val="000000"/>
-                </a:solidFill>
-                <a:latin typeface="Calibri" pitchFamily="18" charset="0"/>
-                <a:cs typeface="Calibri" pitchFamily="18" charset="0"/>
-              </a:rPr>
-              <a:t>Coeﬃcient    </a:t>
-            </a:r>
-            <a:r>
-              <a:rPr lang="en-US" altLang="zh-CN" sz="2400" u="sng" dirty="0" err="1" smtClean="0">
-                <a:solidFill>
-                  <a:srgbClr val="000000"/>
-                </a:solidFill>
-                <a:latin typeface="Calibri" pitchFamily="18" charset="0"/>
-                <a:cs typeface="Calibri" pitchFamily="18" charset="0"/>
-              </a:rPr>
-              <a:t>Estimmates</a:t>
-            </a:r>
-            <a:r>
-              <a:rPr lang="en-US" altLang="zh-CN" sz="2400" u="sng" dirty="0" smtClean="0">
-                <a:solidFill>
-                  <a:srgbClr val="000000"/>
-                </a:solidFill>
-                <a:latin typeface="Calibri" pitchFamily="18" charset="0"/>
-                <a:cs typeface="Calibri" pitchFamily="18" charset="0"/>
-              </a:rPr>
-              <a:t>   </a:t>
-            </a:r>
-            <a:r>
-              <a:rPr lang="en-US" altLang="zh-CN" sz="2400" dirty="0" smtClean="0">
-                <a:solidFill>
-                  <a:srgbClr val="000000"/>
-                </a:solidFill>
-                <a:latin typeface="Calibri" pitchFamily="18" charset="0"/>
-                <a:cs typeface="Calibri" pitchFamily="18" charset="0"/>
-              </a:rPr>
-              <a:t> </a:t>
-            </a:r>
+            <a:r>
+              <a:rPr lang="en-US" dirty="0" smtClean="0"/>
+              <a:t>[Machine Learning]</a:t>
+            </a:r>
+            <a:endParaRPr lang="en-US" dirty="0"/>
           </a:p>
         </p:txBody>
       </p:sp>
     </p:spTree>
     <p:extLst>
       <p:ext uri="{BB962C8B-B14F-4D97-AF65-F5344CB8AC3E}">
-        <p14:creationId xmlns:p14="http://schemas.microsoft.com/office/powerpoint/2010/main" val="3277584553"/>
+        <p14:creationId xmlns:p14="http://schemas.microsoft.com/office/powerpoint/2010/main" val="144349150"/>
+      </p:ext>
+    </p:extLst>
+  </p:cSld>
+  <p:clrMapOvr>
+    <a:masterClrMapping/>
+  </p:clrMapOvr>
+</p:sld>
+</file>
+
+<file path=ppt/slides/slide15.xml><?xml version="1.0" encoding="utf-8"?>
+<p:sld xmlns:a="http://schemas.openxmlformats.org/drawingml/2006/main" xmlns:r="http://schemas.openxmlformats.org/officeDocument/2006/relationships" xmlns:p="http://schemas.openxmlformats.org/presentationml/2006/main">
+  <p:cSld>
+    <p:spTree>
+      <p:nvGrpSpPr>
+        <p:cNvPr id="1" name=""/>
+        <p:cNvGrpSpPr/>
+        <p:nvPr/>
+      </p:nvGrpSpPr>
+      <p:grpSpPr>
+        <a:xfrm>
+          <a:off x="0" y="0"/>
+          <a:ext cx="0" cy="0"/>
+          <a:chOff x="0" y="0"/>
+          <a:chExt cx="0" cy="0"/>
+        </a:xfrm>
+      </p:grpSpPr>
+      <p:sp>
+        <p:nvSpPr>
+          <p:cNvPr id="2" name="Title 1"/>
+          <p:cNvSpPr>
+            <a:spLocks noGrp="1"/>
+          </p:cNvSpPr>
+          <p:nvPr>
+            <p:ph type="ctrTitle"/>
+          </p:nvPr>
+        </p:nvSpPr>
+        <p:spPr/>
+        <p:txBody>
+          <a:bodyPr/>
+          <a:lstStyle/>
+          <a:p>
+            <a:endParaRPr lang="en-US"/>
+          </a:p>
+        </p:txBody>
+      </p:sp>
+      <p:sp>
+        <p:nvSpPr>
+          <p:cNvPr id="3" name="Subtitle 2"/>
+          <p:cNvSpPr>
+            <a:spLocks noGrp="1"/>
+          </p:cNvSpPr>
+          <p:nvPr>
+            <p:ph type="subTitle" idx="1"/>
+          </p:nvPr>
+        </p:nvSpPr>
+        <p:spPr/>
+        <p:txBody>
+          <a:bodyPr/>
+          <a:lstStyle/>
+          <a:p>
+            <a:r>
+              <a:rPr lang="en-US" dirty="0" smtClean="0"/>
+              <a:t>[Web scraping]</a:t>
+            </a:r>
+            <a:endParaRPr lang="en-US" dirty="0"/>
+          </a:p>
+        </p:txBody>
+      </p:sp>
+    </p:spTree>
+    <p:extLst>
+      <p:ext uri="{BB962C8B-B14F-4D97-AF65-F5344CB8AC3E}">
+        <p14:creationId xmlns:p14="http://schemas.microsoft.com/office/powerpoint/2010/main" val="2309502192"/>
+      </p:ext>
+    </p:extLst>
+  </p:cSld>
+  <p:clrMapOvr>
+    <a:masterClrMapping/>
+  </p:clrMapOvr>
+</p:sld>
+</file>
+
+<file path=ppt/slides/slide16.xml><?xml version="1.0" encoding="utf-8"?>
+<p:sld xmlns:a="http://schemas.openxmlformats.org/drawingml/2006/main" xmlns:r="http://schemas.openxmlformats.org/officeDocument/2006/relationships" xmlns:p="http://schemas.openxmlformats.org/presentationml/2006/main">
+  <p:cSld>
+    <p:spTree>
+      <p:nvGrpSpPr>
+        <p:cNvPr id="1" name=""/>
+        <p:cNvGrpSpPr/>
+        <p:nvPr/>
+      </p:nvGrpSpPr>
+      <p:grpSpPr>
+        <a:xfrm>
+          <a:off x="0" y="0"/>
+          <a:ext cx="0" cy="0"/>
+          <a:chOff x="0" y="0"/>
+          <a:chExt cx="0" cy="0"/>
+        </a:xfrm>
+      </p:grpSpPr>
+      <p:sp>
+        <p:nvSpPr>
+          <p:cNvPr id="2" name="Title 1"/>
+          <p:cNvSpPr>
+            <a:spLocks noGrp="1"/>
+          </p:cNvSpPr>
+          <p:nvPr>
+            <p:ph type="ctrTitle"/>
+          </p:nvPr>
+        </p:nvSpPr>
+        <p:spPr/>
+        <p:txBody>
+          <a:bodyPr/>
+          <a:lstStyle/>
+          <a:p>
+            <a:endParaRPr lang="en-US"/>
+          </a:p>
+        </p:txBody>
+      </p:sp>
+      <p:sp>
+        <p:nvSpPr>
+          <p:cNvPr id="3" name="Subtitle 2"/>
+          <p:cNvSpPr>
+            <a:spLocks noGrp="1"/>
+          </p:cNvSpPr>
+          <p:nvPr>
+            <p:ph type="subTitle" idx="1"/>
+          </p:nvPr>
+        </p:nvSpPr>
+        <p:spPr/>
+        <p:txBody>
+          <a:bodyPr/>
+          <a:lstStyle/>
+          <a:p>
+            <a:r>
+              <a:rPr lang="en-US" dirty="0" smtClean="0"/>
+              <a:t>[Web App]</a:t>
+            </a:r>
+            <a:endParaRPr lang="en-US" dirty="0"/>
+          </a:p>
+        </p:txBody>
+      </p:sp>
+    </p:spTree>
+    <p:extLst>
+      <p:ext uri="{BB962C8B-B14F-4D97-AF65-F5344CB8AC3E}">
+        <p14:creationId xmlns:p14="http://schemas.microsoft.com/office/powerpoint/2010/main" val="3930815282"/>
       </p:ext>
     </p:extLst>
   </p:cSld>
@@ -4874,7 +4600,7 @@
         <p:spPr>
           <a:xfrm>
             <a:off x="635000" y="2273300"/>
-            <a:ext cx="11734800" cy="2314736"/>
+            <a:ext cx="11734800" cy="1840247"/>
           </a:xfrm>
           <a:prstGeom prst="rect">
             <a:avLst/>
@@ -5004,68 +4730,15 @@
                   <a:solidFill/>
                 </a:uFill>
               </a:rPr>
-              <a:t>Teach Physics and Astronomy</a:t>
-            </a:r>
-            <a:endParaRPr sz="2500" dirty="0">
-              <a:uFill>
-                <a:solidFill/>
-              </a:uFill>
-            </a:endParaRPr>
-          </a:p>
-          <a:p>
-            <a:pPr marL="246944" lvl="1" indent="-246944" defTabSz="647700">
-              <a:lnSpc>
-                <a:spcPct val="110000"/>
-              </a:lnSpc>
-              <a:spcBef>
-                <a:spcPts val="400"/>
-              </a:spcBef>
-              <a:buSzPct val="85000"/>
-              <a:buFont typeface="Lucida Grande"/>
-              <a:buChar char="‣"/>
-              <a:defRPr sz="1800">
-                <a:uFillTx/>
-              </a:defRPr>
-            </a:pPr>
+              <a:t>Teach Physics and </a:t>
+            </a:r>
             <a:r>
               <a:rPr lang="en-US" sz="2500" dirty="0" smtClean="0">
                 <a:uFill>
                   <a:solidFill/>
                 </a:uFill>
               </a:rPr>
-              <a:t>Used </a:t>
-            </a:r>
-            <a:r>
-              <a:rPr lang="en-US" sz="2500" dirty="0" err="1" smtClean="0">
-                <a:uFill>
-                  <a:solidFill/>
-                </a:uFill>
-              </a:rPr>
-              <a:t>Matlab</a:t>
-            </a:r>
-            <a:r>
-              <a:rPr lang="en-US" sz="2500" dirty="0" smtClean="0">
-                <a:uFill>
-                  <a:solidFill/>
-                </a:uFill>
-              </a:rPr>
-              <a:t> and </a:t>
-            </a:r>
-            <a:r>
-              <a:rPr lang="en-US" sz="2500" dirty="0" err="1" smtClean="0">
-                <a:uFill>
-                  <a:solidFill/>
-                </a:uFill>
-              </a:rPr>
-              <a:t>Mathematica</a:t>
-            </a:r>
-            <a:r>
-              <a:rPr lang="en-US" sz="2500" dirty="0" smtClean="0">
-                <a:uFill>
-                  <a:solidFill/>
-                </a:uFill>
-              </a:rPr>
-              <a:t> in research</a:t>
+              <a:t>Astronomy</a:t>
             </a:r>
             <a:endParaRPr sz="2500" dirty="0">
               <a:uFill>
@@ -5243,7 +4916,7 @@
                   <a:solidFill/>
                 </a:uFill>
               </a:rPr>
-              <a:t>Turn to your neighbor on your left</a:t>
+              <a:t>What is your name and what do you do?</a:t>
             </a:r>
           </a:p>
           <a:p>
@@ -5267,7 +4940,7 @@
                   <a:solidFill/>
                 </a:uFill>
               </a:rPr>
-              <a:t>Impersonate your Halloween costume</a:t>
+              <a:t>Tell us about your best Halloween costume – real or imagined</a:t>
             </a:r>
             <a:endParaRPr lang="en-US" sz="2500" dirty="0">
               <a:uFill>
@@ -5296,7 +4969,7 @@
                   <a:solidFill/>
                 </a:uFill>
               </a:rPr>
-              <a:t>Now tell them who you really are</a:t>
+              <a:t>Who would you be if you were a spooky character?</a:t>
             </a:r>
           </a:p>
           <a:p>
@@ -5320,8 +4993,13 @@
                   <a:solidFill/>
                 </a:uFill>
               </a:rPr>
-              <a:t>And what you’re doing here</a:t>
-            </a:r>
+              <a:t>What’s the scariest thing that happened to you?</a:t>
+            </a:r>
+            <a:endParaRPr lang="en-US" sz="2500" dirty="0" smtClean="0">
+              <a:uFill>
+                <a:solidFill/>
+              </a:uFill>
+            </a:endParaRPr>
           </a:p>
         </p:txBody>
       </p:sp>
@@ -5347,749 +5025,6 @@
 </file>
 
 <file path=ppt/slides/slide4.xml><?xml version="1.0" encoding="utf-8"?>
-<p:sld xmlns:a="http://schemas.openxmlformats.org/drawingml/2006/main" xmlns:r="http://schemas.openxmlformats.org/officeDocument/2006/relationships" xmlns:p="http://schemas.openxmlformats.org/presentationml/2006/main">
-  <p:cSld>
-    <p:spTree>
-      <p:nvGrpSpPr>
-        <p:cNvPr id="1" name=""/>
-        <p:cNvGrpSpPr/>
-        <p:nvPr/>
-      </p:nvGrpSpPr>
-      <p:grpSpPr>
-        <a:xfrm>
-          <a:off x="0" y="0"/>
-          <a:ext cx="0" cy="0"/>
-          <a:chOff x="0" y="0"/>
-          <a:chExt cx="0" cy="0"/>
-        </a:xfrm>
-      </p:grpSpPr>
-      <p:sp>
-        <p:nvSpPr>
-          <p:cNvPr id="2" name="TextBox 1"/>
-          <p:cNvSpPr txBox="1"/>
-          <p:nvPr/>
-        </p:nvSpPr>
-        <p:spPr>
-          <a:xfrm>
-            <a:off x="686496" y="647163"/>
-            <a:ext cx="2855249" cy="533479"/>
-          </a:xfrm>
-          <a:prstGeom prst="rect">
-            <a:avLst/>
-          </a:prstGeom>
-          <a:noFill/>
-          <a:ln w="12700" cap="flat">
-            <a:noFill/>
-            <a:miter lim="400000"/>
-          </a:ln>
-          <a:effectLst/>
-        </p:spPr>
-        <p:style>
-          <a:lnRef idx="0">
-            <a:scrgbClr r="0" g="0" b="0"/>
-          </a:lnRef>
-          <a:fillRef idx="0">
-            <a:scrgbClr r="0" g="0" b="0"/>
-          </a:fillRef>
-          <a:effectRef idx="0">
-            <a:scrgbClr r="0" g="0" b="0"/>
-          </a:effectRef>
-          <a:fontRef idx="none"/>
-        </p:style>
-        <p:txBody>
-          <a:bodyPr rot="0" spcFirstLastPara="1" vertOverflow="overflow" horzOverflow="overflow" vert="horz" wrap="none" lIns="50800" tIns="50800" rIns="50800" bIns="50800" numCol="1" spcCol="38100" rtlCol="0" anchor="ctr">
-            <a:spAutoFit/>
-          </a:bodyPr>
-          <a:lstStyle/>
-          <a:p>
-            <a:pPr marL="0" marR="0" indent="0" algn="l" defTabSz="1308100" rtl="0" fontAlgn="auto" latinLnBrk="1" hangingPunct="0">
-              <a:lnSpc>
-                <a:spcPct val="100000"/>
-              </a:lnSpc>
-              <a:spcBef>
-                <a:spcPts val="0"/>
-              </a:spcBef>
-              <a:spcAft>
-                <a:spcPts val="0"/>
-              </a:spcAft>
-              <a:buClrTx/>
-              <a:buSzTx/>
-              <a:buFontTx/>
-              <a:buNone/>
-              <a:tabLst/>
-            </a:pPr>
-            <a:r>
-              <a:rPr kumimoji="0" lang="en-US" sz="2800" b="0" i="0" u="none" strike="noStrike" cap="none" spc="0" normalizeH="0" baseline="0" dirty="0" smtClean="0">
-                <a:ln>
-                  <a:noFill/>
-                </a:ln>
-                <a:solidFill>
-                  <a:srgbClr val="000000"/>
-                </a:solidFill>
-                <a:effectLst/>
-                <a:uFill>
-                  <a:solidFill>
-                    <a:srgbClr val="FFFFFF"/>
-                  </a:solidFill>
-                </a:uFill>
-                <a:latin typeface="News706BT-RomanC"/>
-                <a:ea typeface="News706BT-RomanC"/>
-                <a:cs typeface="News706BT-RomanC"/>
-                <a:sym typeface="News706BT-RomanC"/>
-              </a:rPr>
-              <a:t>INTRODUCTION</a:t>
-            </a:r>
-          </a:p>
-        </p:txBody>
-      </p:sp>
-      <p:sp>
-        <p:nvSpPr>
-          <p:cNvPr id="3" name="TextBox 2"/>
-          <p:cNvSpPr txBox="1"/>
-          <p:nvPr/>
-        </p:nvSpPr>
-        <p:spPr>
-          <a:xfrm>
-            <a:off x="686496" y="1500464"/>
-            <a:ext cx="12900968" cy="5273238"/>
-          </a:xfrm>
-          <a:prstGeom prst="rect">
-            <a:avLst/>
-          </a:prstGeom>
-          <a:noFill/>
-          <a:ln w="12700" cap="flat">
-            <a:noFill/>
-            <a:miter lim="400000"/>
-          </a:ln>
-          <a:effectLst/>
-        </p:spPr>
-        <p:style>
-          <a:lnRef idx="0">
-            <a:scrgbClr r="0" g="0" b="0"/>
-          </a:lnRef>
-          <a:fillRef idx="0">
-            <a:scrgbClr r="0" g="0" b="0"/>
-          </a:fillRef>
-          <a:effectRef idx="0">
-            <a:scrgbClr r="0" g="0" b="0"/>
-          </a:effectRef>
-          <a:fontRef idx="none"/>
-        </p:style>
-        <p:txBody>
-          <a:bodyPr rot="0" spcFirstLastPara="1" vertOverflow="overflow" horzOverflow="overflow" vert="horz" wrap="none" lIns="50800" tIns="50800" rIns="50800" bIns="50800" numCol="1" spcCol="38100" rtlCol="0" anchor="ctr">
-            <a:spAutoFit/>
-          </a:bodyPr>
-          <a:lstStyle/>
-          <a:p>
-            <a:pPr marL="342900" marR="0" indent="-342900" algn="l" defTabSz="1308100" rtl="0" fontAlgn="auto" latinLnBrk="1" hangingPunct="0">
-              <a:lnSpc>
-                <a:spcPct val="100000"/>
-              </a:lnSpc>
-              <a:spcBef>
-                <a:spcPts val="0"/>
-              </a:spcBef>
-              <a:spcAft>
-                <a:spcPts val="0"/>
-              </a:spcAft>
-              <a:buClrTx/>
-              <a:buSzTx/>
-              <a:buFont typeface="Arial"/>
-              <a:buChar char="•"/>
-              <a:tabLst/>
-            </a:pPr>
-            <a:r>
-              <a:rPr kumimoji="0" lang="en-US" sz="2400" b="0" i="0" u="none" strike="noStrike" cap="none" spc="0" normalizeH="0" baseline="0" dirty="0" smtClean="0">
-                <a:ln>
-                  <a:noFill/>
-                </a:ln>
-                <a:solidFill>
-                  <a:srgbClr val="000000"/>
-                </a:solidFill>
-                <a:effectLst/>
-                <a:uFill>
-                  <a:solidFill>
-                    <a:srgbClr val="FFFFFF"/>
-                  </a:solidFill>
-                </a:uFill>
-                <a:latin typeface="News706BT-RomanC"/>
-                <a:ea typeface="News706BT-RomanC"/>
-                <a:cs typeface="News706BT-RomanC"/>
-                <a:sym typeface="News706BT-RomanC"/>
-              </a:rPr>
-              <a:t>Ice-breaker:</a:t>
-            </a:r>
-            <a:r>
-              <a:rPr kumimoji="0" lang="en-US" sz="2400" b="0" i="0" u="none" strike="noStrike" cap="none" spc="0" normalizeH="0" dirty="0" smtClean="0">
-                <a:ln>
-                  <a:noFill/>
-                </a:ln>
-                <a:solidFill>
-                  <a:srgbClr val="000000"/>
-                </a:solidFill>
-                <a:effectLst/>
-                <a:uFill>
-                  <a:solidFill>
-                    <a:srgbClr val="FFFFFF"/>
-                  </a:solidFill>
-                </a:uFill>
-                <a:latin typeface="News706BT-RomanC"/>
-                <a:ea typeface="News706BT-RomanC"/>
-                <a:cs typeface="News706BT-RomanC"/>
-                <a:sym typeface="News706BT-RomanC"/>
-              </a:rPr>
-              <a:t> Halloween themed activities while students introduce themselves to each other</a:t>
-            </a:r>
-          </a:p>
-          <a:p>
-            <a:pPr marL="342900" marR="0" indent="-342900" algn="l" defTabSz="1308100" rtl="0" fontAlgn="auto" latinLnBrk="1" hangingPunct="0">
-              <a:lnSpc>
-                <a:spcPct val="100000"/>
-              </a:lnSpc>
-              <a:spcBef>
-                <a:spcPts val="0"/>
-              </a:spcBef>
-              <a:spcAft>
-                <a:spcPts val="0"/>
-              </a:spcAft>
-              <a:buClrTx/>
-              <a:buSzTx/>
-              <a:buFont typeface="Arial"/>
-              <a:buChar char="•"/>
-              <a:tabLst/>
-            </a:pPr>
-            <a:r>
-              <a:rPr lang="en-US" baseline="0" dirty="0" smtClean="0">
-                <a:solidFill>
-                  <a:srgbClr val="000000"/>
-                </a:solidFill>
-              </a:rPr>
-              <a:t>Specific</a:t>
-            </a:r>
-            <a:r>
-              <a:rPr lang="en-US" dirty="0" smtClean="0">
-                <a:solidFill>
-                  <a:srgbClr val="000000"/>
-                </a:solidFill>
-              </a:rPr>
-              <a:t> group activities</a:t>
-            </a:r>
-          </a:p>
-          <a:p>
-            <a:pPr marL="342900" lvl="2" indent="-342900" algn="l" rtl="0" latinLnBrk="1" hangingPunct="0">
-              <a:buFont typeface="Arial"/>
-              <a:buChar char="•"/>
-            </a:pPr>
-            <a:r>
-              <a:rPr lang="en-US" dirty="0" err="1" smtClean="0">
-                <a:solidFill>
-                  <a:srgbClr val="000000"/>
-                </a:solidFill>
-              </a:rPr>
-              <a:t>Kaggle</a:t>
-            </a:r>
-            <a:r>
-              <a:rPr lang="en-US" dirty="0" smtClean="0">
-                <a:solidFill>
-                  <a:srgbClr val="000000"/>
-                </a:solidFill>
-              </a:rPr>
-              <a:t> </a:t>
-            </a:r>
-          </a:p>
-          <a:p>
-            <a:pPr marL="342900" lvl="1" indent="-342900" algn="l" rtl="0" latinLnBrk="1" hangingPunct="0">
-              <a:buFont typeface="Arial"/>
-              <a:buChar char="•"/>
-            </a:pPr>
-            <a:r>
-              <a:rPr lang="en-US" dirty="0" smtClean="0">
-                <a:solidFill>
-                  <a:srgbClr val="000000"/>
-                </a:solidFill>
-              </a:rPr>
-              <a:t>Worksheets</a:t>
-            </a:r>
-          </a:p>
-          <a:p>
-            <a:pPr marL="342900" lvl="1" indent="-342900" algn="l" rtl="0" latinLnBrk="1" hangingPunct="0">
-              <a:buFont typeface="Arial"/>
-              <a:buChar char="•"/>
-            </a:pPr>
-            <a:r>
-              <a:rPr lang="en-US" dirty="0" smtClean="0">
-                <a:solidFill>
-                  <a:srgbClr val="000000"/>
-                </a:solidFill>
-              </a:rPr>
-              <a:t>IPNBs/screenshots from it</a:t>
-            </a:r>
-          </a:p>
-          <a:p>
-            <a:pPr marL="342900" lvl="1" indent="-342900" algn="l" rtl="0" latinLnBrk="1" hangingPunct="0">
-              <a:buFont typeface="Arial"/>
-              <a:buChar char="•"/>
-            </a:pPr>
-            <a:r>
-              <a:rPr lang="en-US" dirty="0" smtClean="0">
-                <a:solidFill>
-                  <a:srgbClr val="000000"/>
-                </a:solidFill>
-              </a:rPr>
-              <a:t>Define terms, especially @ beginning</a:t>
-            </a:r>
-          </a:p>
-          <a:p>
-            <a:pPr marL="342900" lvl="1" indent="-342900" algn="l" rtl="0" latinLnBrk="1" hangingPunct="0">
-              <a:buFont typeface="Arial"/>
-              <a:buChar char="•"/>
-            </a:pPr>
-            <a:r>
-              <a:rPr lang="en-US" dirty="0" smtClean="0">
-                <a:solidFill>
-                  <a:srgbClr val="000000"/>
-                </a:solidFill>
-              </a:rPr>
-              <a:t>Have jokes and cartoons!</a:t>
-            </a:r>
-          </a:p>
-          <a:p>
-            <a:pPr marL="342900" lvl="1" indent="-342900" algn="l" rtl="0" latinLnBrk="1" hangingPunct="0">
-              <a:buFont typeface="Arial"/>
-              <a:buChar char="•"/>
-            </a:pPr>
-            <a:r>
-              <a:rPr lang="en-US" dirty="0" smtClean="0">
-                <a:solidFill>
-                  <a:srgbClr val="000000"/>
-                </a:solidFill>
-              </a:rPr>
-              <a:t>Multiple choice</a:t>
-            </a:r>
-          </a:p>
-          <a:p>
-            <a:pPr marL="342900" lvl="1" indent="-342900" algn="l" rtl="0" latinLnBrk="1" hangingPunct="0">
-              <a:buFont typeface="Arial"/>
-              <a:buChar char="•"/>
-            </a:pPr>
-            <a:r>
-              <a:rPr lang="en-US" dirty="0" err="1" smtClean="0">
-                <a:solidFill>
-                  <a:srgbClr val="000000"/>
-                </a:solidFill>
-              </a:rPr>
-              <a:t>Jackbox.tv</a:t>
-            </a:r>
-            <a:r>
-              <a:rPr lang="en-US" dirty="0" smtClean="0">
-                <a:solidFill>
-                  <a:srgbClr val="000000"/>
-                </a:solidFill>
-              </a:rPr>
-              <a:t> style questions?</a:t>
-            </a:r>
-          </a:p>
-          <a:p>
-            <a:pPr marL="342900" lvl="1" indent="-342900" algn="l" rtl="0" latinLnBrk="1" hangingPunct="0">
-              <a:buFont typeface="Arial"/>
-              <a:buChar char="•"/>
-            </a:pPr>
-            <a:r>
-              <a:rPr lang="en-US" dirty="0" err="1" smtClean="0">
-                <a:solidFill>
-                  <a:srgbClr val="000000"/>
-                </a:solidFill>
-              </a:rPr>
-              <a:t>Jupyterhub</a:t>
-            </a:r>
-            <a:r>
-              <a:rPr lang="en-US" dirty="0" smtClean="0">
-                <a:solidFill>
-                  <a:srgbClr val="000000"/>
-                </a:solidFill>
-              </a:rPr>
-              <a:t> login?</a:t>
-            </a:r>
-          </a:p>
-          <a:p>
-            <a:pPr marL="342900" lvl="1" indent="-342900" algn="l" rtl="0" latinLnBrk="1" hangingPunct="0">
-              <a:buFont typeface="Arial"/>
-              <a:buChar char="•"/>
-            </a:pPr>
-            <a:r>
-              <a:rPr lang="en-US" dirty="0" smtClean="0">
-                <a:solidFill>
-                  <a:srgbClr val="000000"/>
-                </a:solidFill>
-              </a:rPr>
-              <a:t>Big section introducing </a:t>
-            </a:r>
-            <a:r>
-              <a:rPr lang="en-US" dirty="0" err="1" smtClean="0">
-                <a:solidFill>
-                  <a:srgbClr val="000000"/>
-                </a:solidFill>
-              </a:rPr>
-              <a:t>Ipython</a:t>
-            </a:r>
-            <a:r>
-              <a:rPr lang="en-US" dirty="0" smtClean="0">
-                <a:solidFill>
-                  <a:srgbClr val="000000"/>
-                </a:solidFill>
-              </a:rPr>
-              <a:t> and </a:t>
-            </a:r>
-            <a:r>
-              <a:rPr lang="en-US" dirty="0" err="1" smtClean="0">
-                <a:solidFill>
-                  <a:srgbClr val="000000"/>
-                </a:solidFill>
-              </a:rPr>
-              <a:t>Jupyter</a:t>
-            </a:r>
-            <a:endParaRPr lang="en-US" dirty="0" smtClean="0">
-              <a:solidFill>
-                <a:srgbClr val="000000"/>
-              </a:solidFill>
-            </a:endParaRPr>
-          </a:p>
-          <a:p>
-            <a:pPr marL="342900" lvl="1" indent="-342900" algn="l" rtl="0" latinLnBrk="1" hangingPunct="0">
-              <a:buFont typeface="Arial"/>
-              <a:buChar char="•"/>
-            </a:pPr>
-            <a:r>
-              <a:rPr lang="en-US" dirty="0" smtClean="0">
-                <a:solidFill>
-                  <a:srgbClr val="000000"/>
-                </a:solidFill>
-              </a:rPr>
-              <a:t>Flask app and making a predictor</a:t>
-            </a:r>
-          </a:p>
-          <a:p>
-            <a:pPr marL="342900" lvl="1" indent="-342900" algn="l" rtl="0" latinLnBrk="1" hangingPunct="0">
-              <a:buFont typeface="Arial"/>
-              <a:buChar char="•"/>
-            </a:pPr>
-            <a:r>
-              <a:rPr lang="en-US" dirty="0" err="1" smtClean="0">
-                <a:solidFill>
-                  <a:srgbClr val="000000"/>
-                </a:solidFill>
-              </a:rPr>
-              <a:t>Gamify</a:t>
-            </a:r>
-            <a:r>
-              <a:rPr lang="en-US" dirty="0" smtClean="0">
-                <a:solidFill>
-                  <a:srgbClr val="000000"/>
-                </a:solidFill>
-              </a:rPr>
-              <a:t> with trick or treat candy</a:t>
-            </a:r>
-          </a:p>
-          <a:p>
-            <a:pPr marL="342900" lvl="1" indent="-342900" algn="l" rtl="0" latinLnBrk="1" hangingPunct="0">
-              <a:buFont typeface="Arial"/>
-              <a:buChar char="•"/>
-            </a:pPr>
-            <a:r>
-              <a:rPr lang="en-US" dirty="0" smtClean="0">
-                <a:solidFill>
-                  <a:srgbClr val="000000"/>
-                </a:solidFill>
-              </a:rPr>
-              <a:t>Make into a world’s shortest </a:t>
-            </a:r>
-            <a:r>
-              <a:rPr lang="en-US" dirty="0" err="1" smtClean="0">
-                <a:solidFill>
-                  <a:srgbClr val="000000"/>
-                </a:solidFill>
-              </a:rPr>
-              <a:t>hackathon</a:t>
-            </a:r>
-            <a:endParaRPr lang="en-US" dirty="0" smtClean="0">
-              <a:solidFill>
-                <a:srgbClr val="000000"/>
-              </a:solidFill>
-            </a:endParaRPr>
-          </a:p>
-        </p:txBody>
-      </p:sp>
-    </p:spTree>
-    <p:extLst>
-      <p:ext uri="{BB962C8B-B14F-4D97-AF65-F5344CB8AC3E}">
-        <p14:creationId xmlns:p14="http://schemas.microsoft.com/office/powerpoint/2010/main" val="400125635"/>
-      </p:ext>
-    </p:extLst>
-  </p:cSld>
-  <p:clrMapOvr>
-    <a:masterClrMapping/>
-  </p:clrMapOvr>
-  <p:transition xmlns:p14="http://schemas.microsoft.com/office/powerpoint/2010/main" spd="med"/>
-  <p:timing>
-    <p:tnLst>
-      <p:par>
-        <p:cTn xmlns:p14="http://schemas.microsoft.com/office/powerpoint/2010/main" id="1" dur="indefinite" restart="never" nodeType="tmRoot"/>
-      </p:par>
-    </p:tnLst>
-  </p:timing>
-</p:sld>
-</file>
-
-<file path=ppt/slides/slide5.xml><?xml version="1.0" encoding="utf-8"?>
-<p:sld xmlns:a="http://schemas.openxmlformats.org/drawingml/2006/main" xmlns:r="http://schemas.openxmlformats.org/officeDocument/2006/relationships" xmlns:p="http://schemas.openxmlformats.org/presentationml/2006/main">
-  <p:cSld>
-    <p:spTree>
-      <p:nvGrpSpPr>
-        <p:cNvPr id="1" name=""/>
-        <p:cNvGrpSpPr/>
-        <p:nvPr/>
-      </p:nvGrpSpPr>
-      <p:grpSpPr>
-        <a:xfrm>
-          <a:off x="0" y="0"/>
-          <a:ext cx="0" cy="0"/>
-          <a:chOff x="0" y="0"/>
-          <a:chExt cx="0" cy="0"/>
-        </a:xfrm>
-      </p:grpSpPr>
-      <p:sp>
-        <p:nvSpPr>
-          <p:cNvPr id="2" name="TextBox 1"/>
-          <p:cNvSpPr txBox="1"/>
-          <p:nvPr/>
-        </p:nvSpPr>
-        <p:spPr>
-          <a:xfrm>
-            <a:off x="686496" y="616385"/>
-            <a:ext cx="4754106" cy="595035"/>
-          </a:xfrm>
-          <a:prstGeom prst="rect">
-            <a:avLst/>
-          </a:prstGeom>
-          <a:noFill/>
-          <a:ln w="12700" cap="flat">
-            <a:noFill/>
-            <a:miter lim="400000"/>
-          </a:ln>
-          <a:effectLst/>
-        </p:spPr>
-        <p:style>
-          <a:lnRef idx="0">
-            <a:scrgbClr r="0" g="0" b="0"/>
-          </a:lnRef>
-          <a:fillRef idx="0">
-            <a:scrgbClr r="0" g="0" b="0"/>
-          </a:fillRef>
-          <a:effectRef idx="0">
-            <a:scrgbClr r="0" g="0" b="0"/>
-          </a:effectRef>
-          <a:fontRef idx="none"/>
-        </p:style>
-        <p:txBody>
-          <a:bodyPr rot="0" spcFirstLastPara="1" vertOverflow="overflow" horzOverflow="overflow" vert="horz" wrap="none" lIns="50800" tIns="50800" rIns="50800" bIns="50800" numCol="1" spcCol="38100" rtlCol="0" anchor="ctr">
-            <a:spAutoFit/>
-          </a:bodyPr>
-          <a:lstStyle/>
-          <a:p>
-            <a:pPr marL="0" marR="0" indent="0" algn="l" defTabSz="1308100" rtl="0" fontAlgn="auto" latinLnBrk="1" hangingPunct="0">
-              <a:lnSpc>
-                <a:spcPct val="100000"/>
-              </a:lnSpc>
-              <a:spcBef>
-                <a:spcPts val="0"/>
-              </a:spcBef>
-              <a:spcAft>
-                <a:spcPts val="0"/>
-              </a:spcAft>
-              <a:buClrTx/>
-              <a:buSzTx/>
-              <a:buFontTx/>
-              <a:buNone/>
-              <a:tabLst/>
-            </a:pPr>
-            <a:r>
-              <a:rPr lang="en-US" sz="3200" dirty="0" smtClean="0">
-                <a:solidFill>
-                  <a:srgbClr val="000000"/>
-                </a:solidFill>
-              </a:rPr>
-              <a:t>KAGGLE COMPETITION</a:t>
-            </a:r>
-            <a:endParaRPr kumimoji="0" lang="en-US" sz="3200" b="0" i="0" u="none" strike="noStrike" cap="none" spc="0" normalizeH="0" baseline="0" dirty="0" smtClean="0">
-              <a:ln>
-                <a:noFill/>
-              </a:ln>
-              <a:solidFill>
-                <a:srgbClr val="000000"/>
-              </a:solidFill>
-              <a:effectLst/>
-              <a:uFill>
-                <a:solidFill>
-                  <a:srgbClr val="FFFFFF"/>
-                </a:solidFill>
-              </a:uFill>
-              <a:sym typeface="News706BT-RomanC"/>
-            </a:endParaRPr>
-          </a:p>
-        </p:txBody>
-      </p:sp>
-      <p:sp>
-        <p:nvSpPr>
-          <p:cNvPr id="5" name="Shape 99"/>
-          <p:cNvSpPr/>
-          <p:nvPr/>
-        </p:nvSpPr>
-        <p:spPr>
-          <a:xfrm>
-            <a:off x="635000" y="2273300"/>
-            <a:ext cx="11734800" cy="1840247"/>
-          </a:xfrm>
-          <a:prstGeom prst="rect">
-            <a:avLst/>
-          </a:prstGeom>
-          <a:ln w="12700">
-            <a:miter lim="400000"/>
-          </a:ln>
-          <a:extLst>
-            <a:ext uri="{C572A759-6A51-4108-AA02-DFA0A04FC94B}">
-              <ma14:wrappingTextBoxFlag xmlns:ma14="http://schemas.microsoft.com/office/mac/drawingml/2011/main" val="1"/>
-            </a:ext>
-          </a:extLst>
-        </p:spPr>
-        <p:txBody>
-          <a:bodyPr lIns="0" tIns="0" rIns="0" bIns="0">
-            <a:spAutoFit/>
-          </a:bodyPr>
-          <a:lstStyle/>
-          <a:p>
-            <a:pPr marL="246944" lvl="1" indent="-246944" defTabSz="647700">
-              <a:lnSpc>
-                <a:spcPct val="110000"/>
-              </a:lnSpc>
-              <a:spcBef>
-                <a:spcPts val="400"/>
-              </a:spcBef>
-              <a:buSzPct val="85000"/>
-              <a:buFont typeface="Lucida Grande"/>
-              <a:buChar char="‣"/>
-              <a:defRPr sz="1800">
-                <a:uFillTx/>
-              </a:defRPr>
-            </a:pPr>
-            <a:r>
-              <a:rPr lang="en-US" sz="2500" dirty="0" smtClean="0">
-                <a:uFill>
-                  <a:solidFill/>
-                </a:uFill>
-              </a:rPr>
-              <a:t>Turn to your neighbor on your left</a:t>
-            </a:r>
-          </a:p>
-          <a:p>
-            <a:pPr marL="246944" lvl="1" indent="-246944" defTabSz="647700">
-              <a:lnSpc>
-                <a:spcPct val="110000"/>
-              </a:lnSpc>
-              <a:spcBef>
-                <a:spcPts val="400"/>
-              </a:spcBef>
-              <a:buSzPct val="85000"/>
-              <a:buFont typeface="Lucida Grande"/>
-              <a:buChar char="‣"/>
-              <a:defRPr sz="1800">
-                <a:uFillTx/>
-              </a:defRPr>
-            </a:pPr>
-            <a:r>
-              <a:rPr lang="en-US" sz="2500" dirty="0" smtClean="0">
-                <a:uFill>
-                  <a:solidFill/>
-                </a:uFill>
-              </a:rPr>
-              <a:t>Impersonate your Halloween costume</a:t>
-            </a:r>
-            <a:endParaRPr lang="en-US" sz="2500" dirty="0">
-              <a:uFill>
-                <a:solidFill/>
-              </a:uFill>
-            </a:endParaRPr>
-          </a:p>
-          <a:p>
-            <a:pPr marL="246944" lvl="1" indent="-246944" defTabSz="647700">
-              <a:lnSpc>
-                <a:spcPct val="110000"/>
-              </a:lnSpc>
-              <a:spcBef>
-                <a:spcPts val="400"/>
-              </a:spcBef>
-              <a:buSzPct val="85000"/>
-              <a:buFont typeface="Lucida Grande"/>
-              <a:buChar char="‣"/>
-              <a:defRPr sz="1800">
-                <a:uFillTx/>
-              </a:defRPr>
-            </a:pPr>
-            <a:r>
-              <a:rPr lang="en-US" sz="2500" dirty="0" smtClean="0">
-                <a:uFill>
-                  <a:solidFill/>
-                </a:uFill>
-              </a:rPr>
-              <a:t>Now tell them who you really are</a:t>
-            </a:r>
-          </a:p>
-          <a:p>
-            <a:pPr marL="246944" lvl="1" indent="-246944" defTabSz="647700">
-              <a:lnSpc>
-                <a:spcPct val="110000"/>
-              </a:lnSpc>
-              <a:spcBef>
-                <a:spcPts val="400"/>
-              </a:spcBef>
-              <a:buSzPct val="85000"/>
-              <a:buFont typeface="Lucida Grande"/>
-              <a:buChar char="‣"/>
-              <a:defRPr sz="1800">
-                <a:uFillTx/>
-              </a:defRPr>
-            </a:pPr>
-            <a:r>
-              <a:rPr lang="en-US" sz="2500" dirty="0" smtClean="0">
-                <a:uFill>
-                  <a:solidFill/>
-                </a:uFill>
-              </a:rPr>
-              <a:t>And what you’re doing here</a:t>
-            </a:r>
-          </a:p>
-        </p:txBody>
-      </p:sp>
-    </p:spTree>
-    <p:extLst>
-      <p:ext uri="{BB962C8B-B14F-4D97-AF65-F5344CB8AC3E}">
-        <p14:creationId xmlns:p14="http://schemas.microsoft.com/office/powerpoint/2010/main" val="2989129466"/>
-      </p:ext>
-    </p:extLst>
-  </p:cSld>
-  <p:clrMapOvr>
-    <a:masterClrMapping/>
-  </p:clrMapOvr>
-  <p:transition xmlns:p14="http://schemas.microsoft.com/office/powerpoint/2010/main" spd="med"/>
-  <p:timing>
-    <p:tnLst>
-      <p:par>
-        <p:cTn xmlns:p14="http://schemas.microsoft.com/office/powerpoint/2010/main" id="1" dur="indefinite" restart="never" nodeType="tmRoot"/>
-      </p:par>
-    </p:tnLst>
-  </p:timing>
-</p:sld>
-</file>
-
-<file path=ppt/slides/slide6.xml><?xml version="1.0" encoding="utf-8"?>
 <p:sld xmlns:a="http://schemas.openxmlformats.org/drawingml/2006/main" xmlns:r="http://schemas.openxmlformats.org/officeDocument/2006/relationships" xmlns:p="http://schemas.openxmlformats.org/presentationml/2006/main">
   <p:cSld>
     <p:spTree>
@@ -6400,7 +5335,7 @@
 </p:sld>
 </file>
 
-<file path=ppt/slides/slide7.xml><?xml version="1.0" encoding="utf-8"?>
+<file path=ppt/slides/slide5.xml><?xml version="1.0" encoding="utf-8"?>
 <p:sld xmlns:a="http://schemas.openxmlformats.org/drawingml/2006/main" xmlns:r="http://schemas.openxmlformats.org/officeDocument/2006/relationships" xmlns:p="http://schemas.openxmlformats.org/presentationml/2006/main">
   <p:cSld>
     <p:spTree>
@@ -6505,7 +5440,7 @@
 </p:sld>
 </file>
 
-<file path=ppt/slides/slide8.xml><?xml version="1.0" encoding="utf-8"?>
+<file path=ppt/slides/slide6.xml><?xml version="1.0" encoding="utf-8"?>
 <p:sld xmlns:a="http://schemas.openxmlformats.org/drawingml/2006/main" xmlns:r="http://schemas.openxmlformats.org/officeDocument/2006/relationships" xmlns:p="http://schemas.openxmlformats.org/presentationml/2006/main">
   <p:cSld>
     <p:spTree>
@@ -6751,7 +5686,7 @@
 </p:sld>
 </file>
 
-<file path=ppt/slides/slide9.xml><?xml version="1.0" encoding="utf-8"?>
+<file path=ppt/slides/slide7.xml><?xml version="1.0" encoding="utf-8"?>
 <p:sld xmlns:a="http://schemas.openxmlformats.org/drawingml/2006/main" xmlns:r="http://schemas.openxmlformats.org/officeDocument/2006/relationships" xmlns:p="http://schemas.openxmlformats.org/presentationml/2006/main">
   <p:cSld>
     <p:spTree>
@@ -7076,6 +6011,588 @@
     <a:masterClrMapping/>
   </p:clrMapOvr>
   <p:transition xmlns:p14="http://schemas.microsoft.com/office/powerpoint/2010/main" spd="med"/>
+  <p:timing>
+    <p:tnLst>
+      <p:par>
+        <p:cTn xmlns:p14="http://schemas.microsoft.com/office/powerpoint/2010/main" id="1" dur="indefinite" restart="never" nodeType="tmRoot"/>
+      </p:par>
+    </p:tnLst>
+  </p:timing>
+</p:sld>
+</file>
+
+<file path=ppt/slides/slide8.xml><?xml version="1.0" encoding="utf-8"?>
+<p:sld xmlns:a="http://schemas.openxmlformats.org/drawingml/2006/main" xmlns:r="http://schemas.openxmlformats.org/officeDocument/2006/relationships" xmlns:p="http://schemas.openxmlformats.org/presentationml/2006/main">
+  <p:cSld>
+    <p:spTree>
+      <p:nvGrpSpPr>
+        <p:cNvPr id="1" name=""/>
+        <p:cNvGrpSpPr/>
+        <p:nvPr/>
+      </p:nvGrpSpPr>
+      <p:grpSpPr>
+        <a:xfrm>
+          <a:off x="0" y="0"/>
+          <a:ext cx="0" cy="0"/>
+          <a:chOff x="0" y="0"/>
+          <a:chExt cx="0" cy="0"/>
+        </a:xfrm>
+      </p:grpSpPr>
+      <p:sp>
+        <p:nvSpPr>
+          <p:cNvPr id="2" name="TextBox 1"/>
+          <p:cNvSpPr txBox="1"/>
+          <p:nvPr/>
+        </p:nvSpPr>
+        <p:spPr>
+          <a:xfrm>
+            <a:off x="643006" y="659114"/>
+            <a:ext cx="7048153" cy="471924"/>
+          </a:xfrm>
+          <a:prstGeom prst="rect">
+            <a:avLst/>
+          </a:prstGeom>
+          <a:noFill/>
+          <a:ln w="12700" cap="flat">
+            <a:noFill/>
+            <a:miter lim="400000"/>
+          </a:ln>
+          <a:effectLst/>
+        </p:spPr>
+        <p:style>
+          <a:lnRef idx="0">
+            <a:scrgbClr r="0" g="0" b="0"/>
+          </a:lnRef>
+          <a:fillRef idx="0">
+            <a:scrgbClr r="0" g="0" b="0"/>
+          </a:fillRef>
+          <a:effectRef idx="0">
+            <a:scrgbClr r="0" g="0" b="0"/>
+          </a:effectRef>
+          <a:fontRef idx="none"/>
+        </p:style>
+        <p:txBody>
+          <a:bodyPr rot="0" spcFirstLastPara="1" vertOverflow="overflow" horzOverflow="overflow" vert="horz" wrap="none" lIns="50800" tIns="50800" rIns="50800" bIns="50800" numCol="1" spcCol="38100" rtlCol="0" anchor="ctr">
+            <a:spAutoFit/>
+          </a:bodyPr>
+          <a:lstStyle/>
+          <a:p>
+            <a:pPr marL="0" marR="0" indent="0" algn="l" defTabSz="1308100" rtl="0" fontAlgn="auto" latinLnBrk="1" hangingPunct="0">
+              <a:lnSpc>
+                <a:spcPct val="100000"/>
+              </a:lnSpc>
+              <a:spcBef>
+                <a:spcPts val="0"/>
+              </a:spcBef>
+              <a:spcAft>
+                <a:spcPts val="0"/>
+              </a:spcAft>
+              <a:buClrTx/>
+              <a:buSzTx/>
+              <a:buFontTx/>
+              <a:buNone/>
+              <a:tabLst/>
+            </a:pPr>
+            <a:r>
+              <a:rPr kumimoji="0" lang="en-US" sz="2400" b="0" i="0" u="none" strike="noStrike" cap="none" spc="0" normalizeH="0" baseline="0" dirty="0" smtClean="0">
+                <a:ln>
+                  <a:noFill/>
+                </a:ln>
+                <a:solidFill>
+                  <a:srgbClr val="000000"/>
+                </a:solidFill>
+                <a:effectLst/>
+                <a:uFill>
+                  <a:solidFill>
+                    <a:srgbClr val="FFFFFF"/>
+                  </a:solidFill>
+                </a:uFill>
+                <a:latin typeface="News706BT-RomanC"/>
+                <a:ea typeface="News706BT-RomanC"/>
+                <a:cs typeface="News706BT-RomanC"/>
+                <a:sym typeface="News706BT-RomanC"/>
+              </a:rPr>
+              <a:t>IPython</a:t>
+            </a:r>
+            <a:r>
+              <a:rPr kumimoji="0" lang="en-US" sz="2400" b="0" i="0" u="none" strike="noStrike" cap="none" spc="0" normalizeH="0" dirty="0" smtClean="0">
+                <a:ln>
+                  <a:noFill/>
+                </a:ln>
+                <a:solidFill>
+                  <a:srgbClr val="000000"/>
+                </a:solidFill>
+                <a:effectLst/>
+                <a:uFill>
+                  <a:solidFill>
+                    <a:srgbClr val="FFFFFF"/>
+                  </a:solidFill>
+                </a:uFill>
+                <a:latin typeface="News706BT-RomanC"/>
+                <a:ea typeface="News706BT-RomanC"/>
+                <a:cs typeface="News706BT-RomanC"/>
+                <a:sym typeface="News706BT-RomanC"/>
+              </a:rPr>
+              <a:t> Notebook: </a:t>
+            </a:r>
+            <a:r>
+              <a:rPr kumimoji="0" lang="en-US" sz="2400" b="0" i="0" u="none" strike="noStrike" cap="none" spc="0" normalizeH="0" baseline="0" dirty="0" err="1" smtClean="0">
+                <a:ln>
+                  <a:noFill/>
+                </a:ln>
+                <a:solidFill>
+                  <a:srgbClr val="000000"/>
+                </a:solidFill>
+                <a:effectLst/>
+                <a:uFill>
+                  <a:solidFill>
+                    <a:srgbClr val="FFFFFF"/>
+                  </a:solidFill>
+                </a:uFill>
+                <a:latin typeface="News706BT-RomanC"/>
+                <a:ea typeface="News706BT-RomanC"/>
+                <a:cs typeface="News706BT-RomanC"/>
+                <a:sym typeface="News706BT-RomanC"/>
+              </a:rPr>
+              <a:t>Git</a:t>
+            </a:r>
+            <a:r>
+              <a:rPr kumimoji="0" lang="en-US" sz="2400" b="0" i="0" u="none" strike="noStrike" cap="none" spc="0" normalizeH="0" baseline="0" dirty="0" smtClean="0">
+                <a:ln>
+                  <a:noFill/>
+                </a:ln>
+                <a:solidFill>
+                  <a:srgbClr val="000000"/>
+                </a:solidFill>
+                <a:effectLst/>
+                <a:uFill>
+                  <a:solidFill>
+                    <a:srgbClr val="FFFFFF"/>
+                  </a:solidFill>
+                </a:uFill>
+                <a:latin typeface="News706BT-RomanC"/>
+                <a:ea typeface="News706BT-RomanC"/>
+                <a:cs typeface="News706BT-RomanC"/>
+                <a:sym typeface="News706BT-RomanC"/>
+              </a:rPr>
+              <a:t>, Pandas, </a:t>
+            </a:r>
+            <a:r>
+              <a:rPr kumimoji="0" lang="en-US" sz="2400" b="0" i="0" u="none" strike="noStrike" cap="none" spc="0" normalizeH="0" baseline="0" dirty="0" err="1" smtClean="0">
+                <a:ln>
+                  <a:noFill/>
+                </a:ln>
+                <a:solidFill>
+                  <a:srgbClr val="000000"/>
+                </a:solidFill>
+                <a:effectLst/>
+                <a:uFill>
+                  <a:solidFill>
+                    <a:srgbClr val="FFFFFF"/>
+                  </a:solidFill>
+                </a:uFill>
+                <a:latin typeface="News706BT-RomanC"/>
+                <a:ea typeface="News706BT-RomanC"/>
+                <a:cs typeface="News706BT-RomanC"/>
+                <a:sym typeface="News706BT-RomanC"/>
+              </a:rPr>
+              <a:t>Numpy</a:t>
+            </a:r>
+            <a:r>
+              <a:rPr lang="en-US" dirty="0" smtClean="0">
+                <a:solidFill>
+                  <a:srgbClr val="000000"/>
+                </a:solidFill>
+              </a:rPr>
+              <a:t>, </a:t>
+            </a:r>
+            <a:r>
+              <a:rPr lang="en-US" dirty="0" err="1" smtClean="0">
+                <a:solidFill>
+                  <a:srgbClr val="000000"/>
+                </a:solidFill>
+              </a:rPr>
+              <a:t>Matplotlib</a:t>
+            </a:r>
+            <a:endParaRPr kumimoji="0" lang="en-US" sz="2400" b="0" i="0" u="none" strike="noStrike" cap="none" spc="0" normalizeH="0" baseline="0" dirty="0">
+              <a:ln>
+                <a:noFill/>
+              </a:ln>
+              <a:solidFill>
+                <a:srgbClr val="000000"/>
+              </a:solidFill>
+              <a:effectLst/>
+              <a:uFill>
+                <a:solidFill>
+                  <a:srgbClr val="FFFFFF"/>
+                </a:solidFill>
+              </a:uFill>
+              <a:latin typeface="News706BT-RomanC"/>
+              <a:ea typeface="News706BT-RomanC"/>
+              <a:cs typeface="News706BT-RomanC"/>
+              <a:sym typeface="News706BT-RomanC"/>
+            </a:endParaRPr>
+          </a:p>
+        </p:txBody>
+      </p:sp>
+      <p:sp>
+        <p:nvSpPr>
+          <p:cNvPr id="3" name="TextBox 2"/>
+          <p:cNvSpPr txBox="1"/>
+          <p:nvPr/>
+        </p:nvSpPr>
+        <p:spPr>
+          <a:xfrm>
+            <a:off x="851983" y="791042"/>
+            <a:ext cx="8571557" cy="6381233"/>
+          </a:xfrm>
+          <a:prstGeom prst="rect">
+            <a:avLst/>
+          </a:prstGeom>
+          <a:noFill/>
+          <a:ln w="12700" cap="flat">
+            <a:noFill/>
+            <a:miter lim="400000"/>
+          </a:ln>
+          <a:effectLst/>
+        </p:spPr>
+        <p:style>
+          <a:lnRef idx="0">
+            <a:scrgbClr r="0" g="0" b="0"/>
+          </a:lnRef>
+          <a:fillRef idx="0">
+            <a:scrgbClr r="0" g="0" b="0"/>
+          </a:fillRef>
+          <a:effectRef idx="0">
+            <a:scrgbClr r="0" g="0" b="0"/>
+          </a:effectRef>
+          <a:fontRef idx="none"/>
+        </p:style>
+        <p:txBody>
+          <a:bodyPr rot="0" spcFirstLastPara="1" vertOverflow="overflow" horzOverflow="overflow" vert="horz" wrap="none" lIns="50800" tIns="50800" rIns="50800" bIns="50800" numCol="1" spcCol="38100" rtlCol="0" anchor="ctr">
+            <a:spAutoFit/>
+          </a:bodyPr>
+          <a:lstStyle/>
+          <a:p>
+            <a:pPr algn="l" rtl="0" latinLnBrk="1" hangingPunct="0"/>
+            <a:endParaRPr lang="en-US" dirty="0" smtClean="0"/>
+          </a:p>
+          <a:p>
+            <a:pPr algn="l" rtl="0" latinLnBrk="1" hangingPunct="0"/>
+            <a:r>
+              <a:rPr lang="en-US" dirty="0" smtClean="0"/>
+              <a:t>[fork on </a:t>
+            </a:r>
+            <a:r>
+              <a:rPr lang="en-US" dirty="0" err="1" smtClean="0"/>
+              <a:t>github</a:t>
+            </a:r>
+            <a:r>
+              <a:rPr lang="en-US" dirty="0" smtClean="0"/>
+              <a:t>]</a:t>
+            </a:r>
+          </a:p>
+          <a:p>
+            <a:pPr algn="l" rtl="0" latinLnBrk="1" hangingPunct="0"/>
+            <a:endParaRPr lang="en-US" dirty="0" smtClean="0"/>
+          </a:p>
+          <a:p>
+            <a:pPr algn="l" rtl="0" latinLnBrk="1" hangingPunct="0"/>
+            <a:r>
+              <a:rPr lang="en-US" dirty="0" err="1" smtClean="0"/>
+              <a:t>scott</a:t>
+            </a:r>
+            <a:r>
+              <a:rPr lang="en-US" dirty="0"/>
+              <a:t>$ </a:t>
+            </a:r>
+            <a:r>
+              <a:rPr lang="en-US" dirty="0" err="1"/>
+              <a:t>git</a:t>
+            </a:r>
+            <a:r>
+              <a:rPr lang="en-US" dirty="0"/>
+              <a:t> clone </a:t>
+            </a:r>
+            <a:r>
+              <a:rPr lang="en-US" dirty="0">
+                <a:hlinkClick r:id="rId2"/>
+              </a:rPr>
+              <a:t>https://github.com/scottlittle/</a:t>
+            </a:r>
+            <a:r>
+              <a:rPr lang="en-US" dirty="0" smtClean="0">
+                <a:hlinkClick r:id="rId2"/>
+              </a:rPr>
+              <a:t>python4ds</a:t>
+            </a:r>
+            <a:endParaRPr lang="en-US" dirty="0" smtClean="0"/>
+          </a:p>
+          <a:p>
+            <a:pPr algn="l" rtl="0" latinLnBrk="1" hangingPunct="0"/>
+            <a:r>
+              <a:rPr lang="en-US" dirty="0" err="1" smtClean="0"/>
+              <a:t>scott</a:t>
+            </a:r>
+            <a:r>
+              <a:rPr lang="en-US" dirty="0"/>
+              <a:t>$ cd python4ds/</a:t>
+            </a:r>
+            <a:endParaRPr lang="en-US" dirty="0" smtClean="0"/>
+          </a:p>
+          <a:p>
+            <a:pPr algn="l" rtl="0" latinLnBrk="1" hangingPunct="0"/>
+            <a:endParaRPr lang="en-US" dirty="0"/>
+          </a:p>
+          <a:p>
+            <a:pPr algn="l" rtl="0" latinLnBrk="1" hangingPunct="0"/>
+            <a:endParaRPr lang="en-US" dirty="0" smtClean="0"/>
+          </a:p>
+          <a:p>
+            <a:pPr algn="l" rtl="0" latinLnBrk="1" hangingPunct="0"/>
+            <a:r>
+              <a:rPr lang="en-US" dirty="0" err="1" smtClean="0"/>
+              <a:t>scott</a:t>
+            </a:r>
+            <a:r>
+              <a:rPr lang="en-US" dirty="0"/>
+              <a:t>$ </a:t>
+            </a:r>
+            <a:r>
+              <a:rPr lang="en-US" dirty="0" err="1"/>
+              <a:t>ipython</a:t>
+            </a:r>
+            <a:r>
+              <a:rPr lang="en-US" dirty="0"/>
+              <a:t> </a:t>
+            </a:r>
+            <a:r>
+              <a:rPr lang="en-US" dirty="0" smtClean="0"/>
+              <a:t>notebook</a:t>
+            </a:r>
+          </a:p>
+          <a:p>
+            <a:pPr algn="l" rtl="0" latinLnBrk="1" hangingPunct="0"/>
+            <a:endParaRPr lang="en-US" dirty="0" smtClean="0"/>
+          </a:p>
+          <a:p>
+            <a:pPr algn="l" rtl="0" latinLnBrk="1" hangingPunct="0"/>
+            <a:r>
+              <a:rPr lang="en-US" dirty="0" smtClean="0"/>
+              <a:t>[IPNB: </a:t>
+            </a:r>
+            <a:r>
+              <a:rPr lang="pt-BR" dirty="0">
+                <a:hlinkClick r:id="rId3"/>
+              </a:rPr>
+              <a:t>http://localhost:8888/notebooks/Documents/</a:t>
+            </a:r>
+            <a:r>
+              <a:rPr lang="pt-BR" dirty="0" smtClean="0">
+                <a:hlinkClick r:id="rId3"/>
+              </a:rPr>
+              <a:t>python4ds</a:t>
+            </a:r>
+            <a:r>
+              <a:rPr lang="pt-BR" dirty="0" smtClean="0"/>
+              <a:t>]</a:t>
+            </a:r>
+          </a:p>
+          <a:p>
+            <a:pPr algn="l" rtl="0" latinLnBrk="1" hangingPunct="0"/>
+            <a:endParaRPr lang="pt-BR" dirty="0" smtClean="0"/>
+          </a:p>
+          <a:p>
+            <a:pPr algn="l" rtl="0" latinLnBrk="1" hangingPunct="0"/>
+            <a:endParaRPr lang="en-US" dirty="0" smtClean="0"/>
+          </a:p>
+          <a:p>
+            <a:pPr algn="l" rtl="0" latinLnBrk="1" hangingPunct="0"/>
+            <a:r>
+              <a:rPr lang="en-US" dirty="0" err="1"/>
+              <a:t>scott</a:t>
+            </a:r>
+            <a:r>
+              <a:rPr lang="en-US" dirty="0"/>
+              <a:t>$ </a:t>
+            </a:r>
+            <a:r>
+              <a:rPr lang="en-US" dirty="0" err="1"/>
+              <a:t>git</a:t>
+            </a:r>
+            <a:r>
+              <a:rPr lang="en-US" dirty="0"/>
+              <a:t> add </a:t>
+            </a:r>
+            <a:r>
+              <a:rPr lang="en-US" dirty="0" smtClean="0"/>
+              <a:t>.</a:t>
+            </a:r>
+          </a:p>
+          <a:p>
+            <a:pPr algn="l" rtl="0" latinLnBrk="1" hangingPunct="0"/>
+            <a:r>
+              <a:rPr lang="en-US" dirty="0" err="1" smtClean="0"/>
+              <a:t>scott</a:t>
+            </a:r>
+            <a:r>
+              <a:rPr lang="en-US" dirty="0"/>
+              <a:t>$ </a:t>
+            </a:r>
+            <a:r>
+              <a:rPr lang="en-US" dirty="0" err="1"/>
+              <a:t>git</a:t>
+            </a:r>
+            <a:r>
+              <a:rPr lang="en-US" dirty="0"/>
+              <a:t> commit -m "first </a:t>
+            </a:r>
+            <a:r>
+              <a:rPr lang="en-US" dirty="0" smtClean="0"/>
+              <a:t>commit”</a:t>
+            </a:r>
+          </a:p>
+          <a:p>
+            <a:pPr algn="l" rtl="0" latinLnBrk="1" hangingPunct="0"/>
+            <a:r>
+              <a:rPr lang="en-US" dirty="0" err="1" smtClean="0"/>
+              <a:t>scott</a:t>
+            </a:r>
+            <a:r>
+              <a:rPr lang="en-US" dirty="0"/>
+              <a:t>$ </a:t>
+            </a:r>
+            <a:r>
+              <a:rPr lang="en-US" dirty="0" err="1"/>
+              <a:t>git</a:t>
+            </a:r>
+            <a:r>
+              <a:rPr lang="en-US" dirty="0"/>
+              <a:t> </a:t>
+            </a:r>
+            <a:r>
+              <a:rPr lang="en-US" dirty="0" smtClean="0"/>
+              <a:t>push</a:t>
+            </a:r>
+            <a:endParaRPr lang="en-US" dirty="0"/>
+          </a:p>
+          <a:p>
+            <a:pPr algn="l" rtl="0" latinLnBrk="1" hangingPunct="0"/>
+            <a:endParaRPr lang="en-US" dirty="0" smtClean="0"/>
+          </a:p>
+          <a:p>
+            <a:pPr algn="l" rtl="0" latinLnBrk="1" hangingPunct="0"/>
+            <a:endParaRPr kumimoji="0" lang="en-US" sz="2400" b="0" i="0" u="none" strike="noStrike" cap="none" spc="0" normalizeH="0" baseline="0" dirty="0">
+              <a:ln>
+                <a:noFill/>
+              </a:ln>
+              <a:solidFill>
+                <a:srgbClr val="000000"/>
+              </a:solidFill>
+              <a:effectLst/>
+              <a:uFill>
+                <a:solidFill>
+                  <a:srgbClr val="FFFFFF"/>
+                </a:solidFill>
+              </a:uFill>
+              <a:latin typeface="News706BT-RomanC"/>
+              <a:ea typeface="News706BT-RomanC"/>
+              <a:cs typeface="News706BT-RomanC"/>
+              <a:sym typeface="News706BT-RomanC"/>
+            </a:endParaRPr>
+          </a:p>
+        </p:txBody>
+      </p:sp>
+    </p:spTree>
+    <p:extLst>
+      <p:ext uri="{BB962C8B-B14F-4D97-AF65-F5344CB8AC3E}">
+        <p14:creationId xmlns:p14="http://schemas.microsoft.com/office/powerpoint/2010/main" val="1272931153"/>
+      </p:ext>
+    </p:extLst>
+  </p:cSld>
+  <p:clrMapOvr>
+    <a:masterClrMapping/>
+  </p:clrMapOvr>
+  <p:transition xmlns:p14="http://schemas.microsoft.com/office/powerpoint/2010/main" spd="med"/>
+  <p:timing>
+    <p:tnLst>
+      <p:par>
+        <p:cTn xmlns:p14="http://schemas.microsoft.com/office/powerpoint/2010/main" id="1" dur="indefinite" restart="never" nodeType="tmRoot"/>
+      </p:par>
+    </p:tnLst>
+  </p:timing>
+</p:sld>
+</file>
+
+<file path=ppt/slides/slide9.xml><?xml version="1.0" encoding="utf-8"?>
+<p:sld xmlns:a="http://schemas.openxmlformats.org/drawingml/2006/main" xmlns:r="http://schemas.openxmlformats.org/officeDocument/2006/relationships" xmlns:p="http://schemas.openxmlformats.org/presentationml/2006/main">
+  <p:cSld>
+    <p:spTree>
+      <p:nvGrpSpPr>
+        <p:cNvPr id="1" name=""/>
+        <p:cNvGrpSpPr/>
+        <p:nvPr/>
+      </p:nvGrpSpPr>
+      <p:grpSpPr>
+        <a:xfrm>
+          <a:off x="0" y="0"/>
+          <a:ext cx="0" cy="0"/>
+          <a:chOff x="0" y="0"/>
+          <a:chExt cx="0" cy="0"/>
+        </a:xfrm>
+      </p:grpSpPr>
+      <p:sp>
+        <p:nvSpPr>
+          <p:cNvPr id="2" name="Title 1"/>
+          <p:cNvSpPr>
+            <a:spLocks noGrp="1"/>
+          </p:cNvSpPr>
+          <p:nvPr>
+            <p:ph type="ctrTitle"/>
+          </p:nvPr>
+        </p:nvSpPr>
+        <p:spPr/>
+        <p:txBody>
+          <a:bodyPr/>
+          <a:lstStyle/>
+          <a:p>
+            <a:endParaRPr lang="en-US" dirty="0"/>
+          </a:p>
+        </p:txBody>
+      </p:sp>
+      <p:sp>
+        <p:nvSpPr>
+          <p:cNvPr id="3" name="Subtitle 2"/>
+          <p:cNvSpPr>
+            <a:spLocks noGrp="1"/>
+          </p:cNvSpPr>
+          <p:nvPr>
+            <p:ph type="subTitle" idx="1"/>
+          </p:nvPr>
+        </p:nvSpPr>
+        <p:spPr/>
+        <p:txBody>
+          <a:bodyPr/>
+          <a:lstStyle/>
+          <a:p>
+            <a:r>
+              <a:rPr lang="en-US" dirty="0" smtClean="0"/>
+              <a:t>[Pandas demo]</a:t>
+            </a:r>
+            <a:endParaRPr lang="en-US" dirty="0"/>
+          </a:p>
+        </p:txBody>
+      </p:sp>
+    </p:spTree>
+    <p:extLst>
+      <p:ext uri="{BB962C8B-B14F-4D97-AF65-F5344CB8AC3E}">
+        <p14:creationId xmlns:p14="http://schemas.microsoft.com/office/powerpoint/2010/main" val="1799761309"/>
+      </p:ext>
+    </p:extLst>
+  </p:cSld>
+  <p:clrMapOvr>
+    <a:masterClrMapping/>
+  </p:clrMapOvr>
   <p:timing>
     <p:tnLst>
       <p:par>

--- a/Python4DS.pptx
+++ b/Python4DS.pptx
@@ -5,25 +5,26 @@
     <p:sldMasterId id="2147483648" r:id="rId1"/>
   </p:sldMasterIdLst>
   <p:notesMasterIdLst>
-    <p:notesMasterId r:id="rId18"/>
+    <p:notesMasterId r:id="rId19"/>
   </p:notesMasterIdLst>
   <p:sldIdLst>
     <p:sldId id="256" r:id="rId2"/>
     <p:sldId id="279" r:id="rId3"/>
     <p:sldId id="281" r:id="rId4"/>
-    <p:sldId id="286" r:id="rId5"/>
-    <p:sldId id="287" r:id="rId6"/>
-    <p:sldId id="289" r:id="rId7"/>
-    <p:sldId id="288" r:id="rId8"/>
-    <p:sldId id="290" r:id="rId9"/>
-    <p:sldId id="297" r:id="rId10"/>
-    <p:sldId id="294" r:id="rId11"/>
-    <p:sldId id="292" r:id="rId12"/>
-    <p:sldId id="291" r:id="rId13"/>
-    <p:sldId id="296" r:id="rId14"/>
-    <p:sldId id="298" r:id="rId15"/>
-    <p:sldId id="299" r:id="rId16"/>
-    <p:sldId id="300" r:id="rId17"/>
+    <p:sldId id="301" r:id="rId5"/>
+    <p:sldId id="286" r:id="rId6"/>
+    <p:sldId id="287" r:id="rId7"/>
+    <p:sldId id="289" r:id="rId8"/>
+    <p:sldId id="288" r:id="rId9"/>
+    <p:sldId id="290" r:id="rId10"/>
+    <p:sldId id="297" r:id="rId11"/>
+    <p:sldId id="294" r:id="rId12"/>
+    <p:sldId id="292" r:id="rId13"/>
+    <p:sldId id="291" r:id="rId14"/>
+    <p:sldId id="296" r:id="rId15"/>
+    <p:sldId id="298" r:id="rId16"/>
+    <p:sldId id="299" r:id="rId17"/>
+    <p:sldId id="300" r:id="rId18"/>
   </p:sldIdLst>
   <p:sldSz cx="13004800" cy="7302500"/>
   <p:notesSz cx="6858000" cy="9144000"/>
@@ -667,7 +668,7 @@
             <a:fld id="{1D8BD707-D9CF-40AE-B4C6-C98DA3205C09}" type="datetimeFigureOut">
               <a:rPr lang="en-US" smtClean="0"/>
               <a:pPr/>
-              <a:t>10/30/15</a:t>
+              <a:t>10/31/15</a:t>
             </a:fld>
             <a:endParaRPr lang="en-US"/>
           </a:p>
@@ -1625,6 +1626,85 @@
       </p:grpSpPr>
       <p:sp>
         <p:nvSpPr>
+          <p:cNvPr id="2" name="Title 1"/>
+          <p:cNvSpPr>
+            <a:spLocks noGrp="1"/>
+          </p:cNvSpPr>
+          <p:nvPr>
+            <p:ph type="ctrTitle"/>
+          </p:nvPr>
+        </p:nvSpPr>
+        <p:spPr/>
+        <p:txBody>
+          <a:bodyPr/>
+          <a:lstStyle/>
+          <a:p>
+            <a:endParaRPr lang="en-US" dirty="0"/>
+          </a:p>
+        </p:txBody>
+      </p:sp>
+      <p:sp>
+        <p:nvSpPr>
+          <p:cNvPr id="3" name="Subtitle 2"/>
+          <p:cNvSpPr>
+            <a:spLocks noGrp="1"/>
+          </p:cNvSpPr>
+          <p:nvPr>
+            <p:ph type="subTitle" idx="1"/>
+          </p:nvPr>
+        </p:nvSpPr>
+        <p:spPr/>
+        <p:txBody>
+          <a:bodyPr/>
+          <a:lstStyle/>
+          <a:p>
+            <a:r>
+              <a:rPr lang="en-US" dirty="0" smtClean="0"/>
+              <a:t>[Pandas demo]</a:t>
+            </a:r>
+            <a:endParaRPr lang="en-US" dirty="0"/>
+          </a:p>
+        </p:txBody>
+      </p:sp>
+    </p:spTree>
+    <p:extLst>
+      <p:ext uri="{BB962C8B-B14F-4D97-AF65-F5344CB8AC3E}">
+        <p14:creationId xmlns:p14="http://schemas.microsoft.com/office/powerpoint/2010/main" val="1799761309"/>
+      </p:ext>
+    </p:extLst>
+  </p:cSld>
+  <p:clrMapOvr>
+    <a:masterClrMapping/>
+  </p:clrMapOvr>
+  <p:timing>
+    <p:tnLst>
+      <p:par>
+        <p:cTn xmlns:p14="http://schemas.microsoft.com/office/powerpoint/2010/main" id="1" dur="indefinite" restart="never" nodeType="tmRoot"/>
+      </p:par>
+    </p:tnLst>
+  </p:timing>
+</p:sld>
+</file>
+
+<file path=ppt/slides/slide11.xml><?xml version="1.0" encoding="utf-8"?>
+<p:sld xmlns:a="http://schemas.openxmlformats.org/drawingml/2006/main" xmlns:r="http://schemas.openxmlformats.org/officeDocument/2006/relationships" xmlns:p="http://schemas.openxmlformats.org/presentationml/2006/main">
+  <p:cSld>
+    <p:spTree>
+      <p:nvGrpSpPr>
+        <p:cNvPr id="1" name=""/>
+        <p:cNvGrpSpPr/>
+        <p:nvPr/>
+      </p:nvGrpSpPr>
+      <p:grpSpPr>
+        <a:xfrm>
+          <a:off x="0" y="0"/>
+          <a:ext cx="0" cy="0"/>
+          <a:chOff x="0" y="0"/>
+          <a:chExt cx="0" cy="0"/>
+        </a:xfrm>
+      </p:grpSpPr>
+      <p:sp>
+        <p:nvSpPr>
           <p:cNvPr id="4" name="Freeform 3"/>
           <p:cNvSpPr/>
           <p:nvPr/>
@@ -1970,37 +2050,7 @@
                 <a:latin typeface="Calibri" pitchFamily="18" charset="0"/>
                 <a:cs typeface="Calibri" pitchFamily="18" charset="0"/>
               </a:rPr>
-              <a:t>Machine Learning:   </a:t>
-            </a:r>
-            <a:r>
-              <a:rPr lang="en-US" altLang="zh-CN" sz="4400" dirty="0" smtClean="0">
-                <a:solidFill>
-                  <a:srgbClr val="000000"/>
-                </a:solidFill>
-                <a:latin typeface="Calibri" pitchFamily="18" charset="0"/>
-                <a:cs typeface="Calibri" pitchFamily="18" charset="0"/>
-              </a:rPr>
-              <a:t> Linear    </a:t>
-            </a:r>
-            <a:r>
-              <a:rPr lang="en-US" altLang="zh-CN" sz="4400" dirty="0" smtClean="0">
-                <a:solidFill>
-                  <a:srgbClr val="000000"/>
-                </a:solidFill>
-                <a:latin typeface="Calibri" pitchFamily="18" charset="0"/>
-                <a:cs typeface="Calibri" pitchFamily="18" charset="0"/>
-              </a:rPr>
-              <a:t>Regression   </a:t>
-            </a:r>
-            <a:r>
-              <a:rPr lang="en-US" altLang="zh-CN" sz="4400" dirty="0" smtClean="0">
-                <a:solidFill>
-                  <a:srgbClr val="000000"/>
-                </a:solidFill>
-                <a:latin typeface="Calibri" pitchFamily="18" charset="0"/>
-                <a:cs typeface="Calibri" pitchFamily="18" charset="0"/>
-              </a:rPr>
-              <a:t> </a:t>
+              <a:t>Machine Learning:    Linear    Regression    </a:t>
             </a:r>
           </a:p>
           <a:p>
@@ -2024,17 +2074,7 @@
                 <a:latin typeface="Calibri" pitchFamily="18" charset="0"/>
                 <a:cs typeface="Calibri" pitchFamily="18" charset="0"/>
               </a:rPr>
-              <a:t> </a:t>
-            </a:r>
-            <a:r>
-              <a:rPr lang="en-US" altLang="zh-CN" sz="2400" dirty="0" smtClean="0">
-                <a:solidFill>
-                  <a:srgbClr val="000000"/>
-                </a:solidFill>
-                <a:latin typeface="Calibri" pitchFamily="18" charset="0"/>
-                <a:cs typeface="Calibri" pitchFamily="18" charset="0"/>
-              </a:rPr>
-              <a:t>     </a:t>
+              <a:t>      </a:t>
             </a:r>
           </a:p>
           <a:p>
@@ -2094,17 +2134,7 @@
                 <a:latin typeface="Calibri" pitchFamily="18" charset="0"/>
                 <a:cs typeface="Calibri" pitchFamily="18" charset="0"/>
               </a:rPr>
-              <a:t>Fitted   </a:t>
-            </a:r>
-            <a:r>
-              <a:rPr lang="en-US" altLang="zh-CN" sz="2400" u="sng" dirty="0" smtClean="0">
-                <a:solidFill>
-                  <a:srgbClr val="000000"/>
-                </a:solidFill>
-                <a:latin typeface="Calibri" pitchFamily="18" charset="0"/>
-                <a:cs typeface="Calibri" pitchFamily="18" charset="0"/>
-              </a:rPr>
-              <a:t> Value   </a:t>
+              <a:t>Fitted    Value   </a:t>
             </a:r>
             <a:r>
               <a:rPr lang="en-US" altLang="zh-CN" sz="2400" dirty="0" smtClean="0">
@@ -2254,7 +2284,7 @@
 </p:sld>
 </file>
 
-<file path=ppt/slides/slide11.xml><?xml version="1.0" encoding="utf-8"?>
+<file path=ppt/slides/slide12.xml><?xml version="1.0" encoding="utf-8"?>
 <p:sld xmlns:a="http://schemas.openxmlformats.org/drawingml/2006/main" xmlns:r="http://schemas.openxmlformats.org/officeDocument/2006/relationships" xmlns:p="http://schemas.openxmlformats.org/presentationml/2006/main">
   <p:cSld>
     <p:spTree>
@@ -2578,7 +2608,7 @@
 </p:sld>
 </file>
 
-<file path=ppt/slides/slide12.xml><?xml version="1.0" encoding="utf-8"?>
+<file path=ppt/slides/slide13.xml><?xml version="1.0" encoding="utf-8"?>
 <p:sld xmlns:a="http://schemas.openxmlformats.org/drawingml/2006/main" xmlns:r="http://schemas.openxmlformats.org/officeDocument/2006/relationships" xmlns:p="http://schemas.openxmlformats.org/presentationml/2006/main">
   <p:cSld>
     <p:spTree>
@@ -2994,7 +3024,7 @@
 </p:sld>
 </file>
 
-<file path=ppt/slides/slide13.xml><?xml version="1.0" encoding="utf-8"?>
+<file path=ppt/slides/slide14.xml><?xml version="1.0" encoding="utf-8"?>
 <p:sld xmlns:a="http://schemas.openxmlformats.org/drawingml/2006/main" xmlns:r="http://schemas.openxmlformats.org/officeDocument/2006/relationships" xmlns:p="http://schemas.openxmlformats.org/presentationml/2006/main">
   <p:cSld>
     <p:spTree>
@@ -3622,37 +3652,7 @@
                 <a:latin typeface="Calibri" pitchFamily="18" charset="0"/>
                 <a:cs typeface="Calibri" pitchFamily="18" charset="0"/>
               </a:rPr>
-              <a:t>Fold   </a:t>
-            </a:r>
-            <a:r>
-              <a:rPr lang="en-US" altLang="zh-CN" sz="4400" dirty="0" smtClean="0">
-                <a:solidFill>
-                  <a:srgbClr val="000000"/>
-                </a:solidFill>
-                <a:latin typeface="Calibri" pitchFamily="18" charset="0"/>
-                <a:cs typeface="Calibri" pitchFamily="18" charset="0"/>
-              </a:rPr>
-              <a:t> Cross</a:t>
-            </a:r>
-            <a:r>
-              <a:rPr lang="en-US" altLang="zh-CN" sz="4400" dirty="0" smtClean="0">
-                <a:solidFill>
-                  <a:srgbClr val="000000"/>
-                </a:solidFill>
-                <a:latin typeface="Calibri" pitchFamily="18" charset="0"/>
-                <a:cs typeface="Calibri" pitchFamily="18" charset="0"/>
-              </a:rPr>
-              <a:t>-Validation   </a:t>
-            </a:r>
-            <a:r>
-              <a:rPr lang="en-US" altLang="zh-CN" sz="4400" dirty="0" smtClean="0">
-                <a:solidFill>
-                  <a:srgbClr val="000000"/>
-                </a:solidFill>
-                <a:latin typeface="Calibri" pitchFamily="18" charset="0"/>
-                <a:cs typeface="Calibri" pitchFamily="18" charset="0"/>
-              </a:rPr>
-              <a:t> </a:t>
+              <a:t>Fold    Cross-Validation    </a:t>
             </a:r>
           </a:p>
         </p:txBody>
@@ -3702,13 +3702,6 @@
               </a:rPr>
               <a:t>Randomly    divide    data    into    K=5    folds.        </a:t>
             </a:r>
-            <a:endParaRPr lang="en-US" altLang="zh-CN" sz="2400" dirty="0" smtClean="0">
-              <a:solidFill>
-                <a:srgbClr val="000000"/>
-              </a:solidFill>
-              <a:latin typeface="Calibri" pitchFamily="18" charset="0"/>
-              <a:cs typeface="Calibri" pitchFamily="18" charset="0"/>
-            </a:endParaRPr>
           </a:p>
           <a:p>
             <a:pPr>
@@ -3738,17 +3731,7 @@
                 <a:latin typeface="Calibri" pitchFamily="18" charset="0"/>
                 <a:cs typeface="Calibri" pitchFamily="18" charset="0"/>
               </a:rPr>
-              <a:t>Typically   </a:t>
-            </a:r>
-            <a:r>
-              <a:rPr lang="en-US" altLang="zh-CN" sz="2400" dirty="0" smtClean="0">
-                <a:solidFill>
-                  <a:srgbClr val="000000"/>
-                </a:solidFill>
-                <a:latin typeface="Calibri" pitchFamily="18" charset="0"/>
-                <a:cs typeface="Calibri" pitchFamily="18" charset="0"/>
-              </a:rPr>
-              <a:t> choose    K=5    or    10.        </a:t>
+              <a:t>Typically    choose    K=5    or    10.        </a:t>
             </a:r>
           </a:p>
           <a:p>
@@ -3846,17 +3829,7 @@
                 <a:latin typeface="Calibri" pitchFamily="18" charset="0"/>
                 <a:cs typeface="Calibri" pitchFamily="18" charset="0"/>
               </a:rPr>
-              <a:t>1</a:t>
-            </a:r>
-            <a:r>
-              <a:rPr lang="en-US" altLang="zh-CN" sz="2000" dirty="0" smtClean="0">
-                <a:solidFill>
-                  <a:srgbClr val="000000"/>
-                </a:solidFill>
-                <a:latin typeface="Calibri" pitchFamily="18" charset="0"/>
-                <a:cs typeface="Calibri" pitchFamily="18" charset="0"/>
-              </a:rPr>
-              <a:t>.</a:t>
+              <a:t>1.</a:t>
             </a:r>
             <a:r>
               <a:rPr lang="en-US" altLang="zh-CN" sz="2000" dirty="0" smtClean="0">
@@ -3893,57 +3866,7 @@
                 <a:latin typeface="Calibri" pitchFamily="18" charset="0"/>
                 <a:cs typeface="Calibri" pitchFamily="18" charset="0"/>
               </a:rPr>
-              <a:t>training   </a:t>
-            </a:r>
-            <a:r>
-              <a:rPr lang="en-US" altLang="zh-CN" sz="2000" dirty="0" smtClean="0">
-                <a:solidFill>
-                  <a:srgbClr val="4A969D"/>
-                </a:solidFill>
-                <a:latin typeface="Calibri" pitchFamily="18" charset="0"/>
-                <a:cs typeface="Calibri" pitchFamily="18" charset="0"/>
-              </a:rPr>
-              <a:t> set,    </a:t>
-            </a:r>
-            <a:r>
-              <a:rPr lang="en-US" altLang="zh-CN" sz="2000" dirty="0" smtClean="0">
-                <a:solidFill>
-                  <a:srgbClr val="4A969D"/>
-                </a:solidFill>
-                <a:latin typeface="Calibri" pitchFamily="18" charset="0"/>
-                <a:cs typeface="Calibri" pitchFamily="18" charset="0"/>
-              </a:rPr>
-              <a:t>using   </a:t>
-            </a:r>
-            <a:r>
-              <a:rPr lang="en-US" altLang="zh-CN" sz="2000" dirty="0" smtClean="0">
-                <a:solidFill>
-                  <a:srgbClr val="4A969D"/>
-                </a:solidFill>
-                <a:latin typeface="Calibri" pitchFamily="18" charset="0"/>
-                <a:cs typeface="Calibri" pitchFamily="18" charset="0"/>
-              </a:rPr>
-              <a:t> (K</a:t>
-            </a:r>
-            <a:r>
-              <a:rPr lang="en-US" altLang="zh-CN" sz="2000" dirty="0" smtClean="0">
-                <a:solidFill>
-                  <a:srgbClr val="4A969D"/>
-                </a:solidFill>
-                <a:latin typeface="Calibri" pitchFamily="18" charset="0"/>
-                <a:cs typeface="Calibri" pitchFamily="18" charset="0"/>
-              </a:rPr>
-              <a:t>-1</a:t>
-            </a:r>
-            <a:r>
-              <a:rPr lang="en-US" altLang="zh-CN" sz="2000" dirty="0" smtClean="0">
-                <a:solidFill>
-                  <a:srgbClr val="4A969D"/>
-                </a:solidFill>
-                <a:latin typeface="Calibri" pitchFamily="18" charset="0"/>
-                <a:cs typeface="Calibri" pitchFamily="18" charset="0"/>
-              </a:rPr>
-              <a:t>)    folds    </a:t>
+              <a:t>training    set,    using    (K-1)    folds    </a:t>
             </a:r>
           </a:p>
           <a:p>
@@ -4015,17 +3938,7 @@
                 <a:latin typeface="Calibri" pitchFamily="18" charset="0"/>
                 <a:cs typeface="Calibri" pitchFamily="18" charset="0"/>
               </a:rPr>
-              <a:t>   </a:t>
-            </a:r>
-            <a:r>
-              <a:rPr lang="en-US" altLang="zh-CN" sz="2000" dirty="0" smtClean="0">
-                <a:solidFill>
-                  <a:srgbClr val="000000"/>
-                </a:solidFill>
-                <a:latin typeface="Calibri" pitchFamily="18" charset="0"/>
-                <a:cs typeface="Calibri" pitchFamily="18" charset="0"/>
-              </a:rPr>
-              <a:t> model    in    1.    to    predict    responses    for        </a:t>
+              <a:t>    model    in    1.    to    predict    responses    for        </a:t>
             </a:r>
           </a:p>
           <a:p>
@@ -4050,27 +3963,7 @@
                 <a:latin typeface="Calibri" pitchFamily="18" charset="0"/>
                 <a:cs typeface="Calibri" pitchFamily="18" charset="0"/>
               </a:rPr>
-              <a:t>    </a:t>
-            </a:r>
-            <a:r>
-              <a:rPr lang="en-US" altLang="zh-CN" sz="2000" dirty="0" smtClean="0">
-                <a:solidFill>
-                  <a:srgbClr val="FA9042"/>
-                </a:solidFill>
-                <a:latin typeface="Calibri" pitchFamily="18" charset="0"/>
-                <a:cs typeface="Calibri" pitchFamily="18" charset="0"/>
-              </a:rPr>
-              <a:t>validation   </a:t>
-            </a:r>
-            <a:r>
-              <a:rPr lang="en-US" altLang="zh-CN" sz="2000" dirty="0" smtClean="0">
-                <a:solidFill>
-                  <a:srgbClr val="FA9042"/>
-                </a:solidFill>
-                <a:latin typeface="Calibri" pitchFamily="18" charset="0"/>
-                <a:cs typeface="Calibri" pitchFamily="18" charset="0"/>
-              </a:rPr>
-              <a:t> set,    1    of    the    folds    </a:t>
+              <a:t>    validation    set,    1    of    the    folds    </a:t>
             </a:r>
           </a:p>
           <a:p>
@@ -4095,27 +3988,7 @@
                 <a:latin typeface="Calibri" pitchFamily="18" charset="0"/>
                 <a:cs typeface="Calibri" pitchFamily="18" charset="0"/>
               </a:rPr>
-              <a:t>3.                    Compute    </a:t>
-            </a:r>
-            <a:r>
-              <a:rPr lang="en-US" altLang="zh-CN" sz="2000" dirty="0" smtClean="0">
-                <a:solidFill>
-                  <a:srgbClr val="000000"/>
-                </a:solidFill>
-                <a:latin typeface="Calibri" pitchFamily="18" charset="0"/>
-                <a:cs typeface="Calibri" pitchFamily="18" charset="0"/>
-              </a:rPr>
-              <a:t>validation</a:t>
-            </a:r>
-            <a:r>
-              <a:rPr lang="en-US" altLang="zh-CN" sz="2000" dirty="0" smtClean="0">
-                <a:solidFill>
-                  <a:srgbClr val="000000"/>
-                </a:solidFill>
-                <a:latin typeface="Calibri" pitchFamily="18" charset="0"/>
-                <a:cs typeface="Calibri" pitchFamily="18" charset="0"/>
-              </a:rPr>
-              <a:t>-­‐set    error    </a:t>
+              <a:t>3.                    Compute    validation-­‐set    error    </a:t>
             </a:r>
           </a:p>
           <a:p>
@@ -4167,17 +4040,7 @@
                 <a:latin typeface="Calibri" pitchFamily="18" charset="0"/>
                 <a:cs typeface="Calibri" pitchFamily="18" charset="0"/>
               </a:rPr>
-              <a:t>Quantitative   </a:t>
-            </a:r>
-            <a:r>
-              <a:rPr lang="en-US" altLang="zh-CN" sz="1600" dirty="0" smtClean="0">
-                <a:solidFill>
-                  <a:srgbClr val="000000"/>
-                </a:solidFill>
-                <a:latin typeface="Calibri" pitchFamily="18" charset="0"/>
-                <a:cs typeface="Calibri" pitchFamily="18" charset="0"/>
-              </a:rPr>
-              <a:t> Response:        Typically    MSE        </a:t>
+              <a:t>Quantitative    Response:        Typically    MSE        </a:t>
             </a:r>
           </a:p>
           <a:p>
@@ -4229,37 +4092,7 @@
                 <a:latin typeface="Calibri" pitchFamily="18" charset="0"/>
                 <a:cs typeface="Calibri" pitchFamily="18" charset="0"/>
               </a:rPr>
-              <a:t>Qualitative   </a:t>
-            </a:r>
-            <a:r>
-              <a:rPr lang="en-US" altLang="zh-CN" sz="1600" dirty="0" smtClean="0">
-                <a:solidFill>
-                  <a:srgbClr val="000000"/>
-                </a:solidFill>
-                <a:latin typeface="Calibri" pitchFamily="18" charset="0"/>
-                <a:cs typeface="Calibri" pitchFamily="18" charset="0"/>
-              </a:rPr>
-              <a:t> Response:          Typically    </a:t>
-            </a:r>
-            <a:r>
-              <a:rPr lang="en-US" altLang="zh-CN" sz="1600" dirty="0" smtClean="0">
-                <a:solidFill>
-                  <a:srgbClr val="000000"/>
-                </a:solidFill>
-                <a:latin typeface="Calibri" pitchFamily="18" charset="0"/>
-                <a:cs typeface="Calibri" pitchFamily="18" charset="0"/>
-              </a:rPr>
-              <a:t>Misclassiﬁcation   </a:t>
-            </a:r>
-            <a:r>
-              <a:rPr lang="en-US" altLang="zh-CN" sz="1600" dirty="0" smtClean="0">
-                <a:solidFill>
-                  <a:srgbClr val="000000"/>
-                </a:solidFill>
-                <a:latin typeface="Calibri" pitchFamily="18" charset="0"/>
-                <a:cs typeface="Calibri" pitchFamily="18" charset="0"/>
-              </a:rPr>
-              <a:t> Rate        </a:t>
+              <a:t>Qualitative    Response:          Typically    Misclassiﬁcation    Rate        </a:t>
             </a:r>
           </a:p>
         </p:txBody>
@@ -4268,78 +4101,6 @@
     <p:extLst>
       <p:ext uri="{BB962C8B-B14F-4D97-AF65-F5344CB8AC3E}">
         <p14:creationId xmlns:p14="http://schemas.microsoft.com/office/powerpoint/2010/main" val="1665963104"/>
-      </p:ext>
-    </p:extLst>
-  </p:cSld>
-  <p:clrMapOvr>
-    <a:masterClrMapping/>
-  </p:clrMapOvr>
-</p:sld>
-</file>
-
-<file path=ppt/slides/slide14.xml><?xml version="1.0" encoding="utf-8"?>
-<p:sld xmlns:a="http://schemas.openxmlformats.org/drawingml/2006/main" xmlns:r="http://schemas.openxmlformats.org/officeDocument/2006/relationships" xmlns:p="http://schemas.openxmlformats.org/presentationml/2006/main">
-  <p:cSld>
-    <p:spTree>
-      <p:nvGrpSpPr>
-        <p:cNvPr id="1" name=""/>
-        <p:cNvGrpSpPr/>
-        <p:nvPr/>
-      </p:nvGrpSpPr>
-      <p:grpSpPr>
-        <a:xfrm>
-          <a:off x="0" y="0"/>
-          <a:ext cx="0" cy="0"/>
-          <a:chOff x="0" y="0"/>
-          <a:chExt cx="0" cy="0"/>
-        </a:xfrm>
-      </p:grpSpPr>
-      <p:sp>
-        <p:nvSpPr>
-          <p:cNvPr id="2" name="Title 1"/>
-          <p:cNvSpPr>
-            <a:spLocks noGrp="1"/>
-          </p:cNvSpPr>
-          <p:nvPr>
-            <p:ph type="ctrTitle"/>
-          </p:nvPr>
-        </p:nvSpPr>
-        <p:spPr/>
-        <p:txBody>
-          <a:bodyPr/>
-          <a:lstStyle/>
-          <a:p>
-            <a:endParaRPr lang="en-US"/>
-          </a:p>
-        </p:txBody>
-      </p:sp>
-      <p:sp>
-        <p:nvSpPr>
-          <p:cNvPr id="3" name="Subtitle 2"/>
-          <p:cNvSpPr>
-            <a:spLocks noGrp="1"/>
-          </p:cNvSpPr>
-          <p:nvPr>
-            <p:ph type="subTitle" idx="1"/>
-          </p:nvPr>
-        </p:nvSpPr>
-        <p:spPr/>
-        <p:txBody>
-          <a:bodyPr/>
-          <a:lstStyle/>
-          <a:p>
-            <a:r>
-              <a:rPr lang="en-US" dirty="0" smtClean="0"/>
-              <a:t>[Machine Learning]</a:t>
-            </a:r>
-            <a:endParaRPr lang="en-US" dirty="0"/>
-          </a:p>
-        </p:txBody>
-      </p:sp>
-    </p:spTree>
-    <p:extLst>
-      <p:ext uri="{BB962C8B-B14F-4D97-AF65-F5344CB8AC3E}">
-        <p14:creationId xmlns:p14="http://schemas.microsoft.com/office/powerpoint/2010/main" val="144349150"/>
       </p:ext>
     </p:extLst>
   </p:cSld>
@@ -4402,6 +4163,78 @@
           <a:p>
             <a:r>
               <a:rPr lang="en-US" dirty="0" smtClean="0"/>
+              <a:t>[Machine Learning]</a:t>
+            </a:r>
+            <a:endParaRPr lang="en-US" dirty="0"/>
+          </a:p>
+        </p:txBody>
+      </p:sp>
+    </p:spTree>
+    <p:extLst>
+      <p:ext uri="{BB962C8B-B14F-4D97-AF65-F5344CB8AC3E}">
+        <p14:creationId xmlns:p14="http://schemas.microsoft.com/office/powerpoint/2010/main" val="144349150"/>
+      </p:ext>
+    </p:extLst>
+  </p:cSld>
+  <p:clrMapOvr>
+    <a:masterClrMapping/>
+  </p:clrMapOvr>
+</p:sld>
+</file>
+
+<file path=ppt/slides/slide16.xml><?xml version="1.0" encoding="utf-8"?>
+<p:sld xmlns:a="http://schemas.openxmlformats.org/drawingml/2006/main" xmlns:r="http://schemas.openxmlformats.org/officeDocument/2006/relationships" xmlns:p="http://schemas.openxmlformats.org/presentationml/2006/main">
+  <p:cSld>
+    <p:spTree>
+      <p:nvGrpSpPr>
+        <p:cNvPr id="1" name=""/>
+        <p:cNvGrpSpPr/>
+        <p:nvPr/>
+      </p:nvGrpSpPr>
+      <p:grpSpPr>
+        <a:xfrm>
+          <a:off x="0" y="0"/>
+          <a:ext cx="0" cy="0"/>
+          <a:chOff x="0" y="0"/>
+          <a:chExt cx="0" cy="0"/>
+        </a:xfrm>
+      </p:grpSpPr>
+      <p:sp>
+        <p:nvSpPr>
+          <p:cNvPr id="2" name="Title 1"/>
+          <p:cNvSpPr>
+            <a:spLocks noGrp="1"/>
+          </p:cNvSpPr>
+          <p:nvPr>
+            <p:ph type="ctrTitle"/>
+          </p:nvPr>
+        </p:nvSpPr>
+        <p:spPr/>
+        <p:txBody>
+          <a:bodyPr/>
+          <a:lstStyle/>
+          <a:p>
+            <a:endParaRPr lang="en-US"/>
+          </a:p>
+        </p:txBody>
+      </p:sp>
+      <p:sp>
+        <p:nvSpPr>
+          <p:cNvPr id="3" name="Subtitle 2"/>
+          <p:cNvSpPr>
+            <a:spLocks noGrp="1"/>
+          </p:cNvSpPr>
+          <p:nvPr>
+            <p:ph type="subTitle" idx="1"/>
+          </p:nvPr>
+        </p:nvSpPr>
+        <p:spPr/>
+        <p:txBody>
+          <a:bodyPr/>
+          <a:lstStyle/>
+          <a:p>
+            <a:r>
+              <a:rPr lang="en-US" dirty="0" smtClean="0"/>
               <a:t>[Web scraping]</a:t>
             </a:r>
             <a:endParaRPr lang="en-US" dirty="0"/>
@@ -4421,7 +4254,7 @@
 </p:sld>
 </file>
 
-<file path=ppt/slides/slide16.xml><?xml version="1.0" encoding="utf-8"?>
+<file path=ppt/slides/slide17.xml><?xml version="1.0" encoding="utf-8"?>
 <p:sld xmlns:a="http://schemas.openxmlformats.org/drawingml/2006/main" xmlns:r="http://schemas.openxmlformats.org/officeDocument/2006/relationships" xmlns:p="http://schemas.openxmlformats.org/presentationml/2006/main">
   <p:cSld>
     <p:spTree>
@@ -4730,15 +4563,7 @@
                   <a:solidFill/>
                 </a:uFill>
               </a:rPr>
-              <a:t>Teach Physics and </a:t>
-            </a:r>
-            <a:r>
-              <a:rPr lang="en-US" sz="2500" dirty="0" smtClean="0">
-                <a:uFill>
-                  <a:solidFill/>
-                </a:uFill>
-              </a:rPr>
-              <a:t>Astronomy</a:t>
+              <a:t>Teach Physics and Astronomy</a:t>
             </a:r>
             <a:endParaRPr sz="2500" dirty="0">
               <a:uFill>
@@ -4995,11 +4820,6 @@
               </a:rPr>
               <a:t>What’s the scariest thing that happened to you?</a:t>
             </a:r>
-            <a:endParaRPr lang="en-US" sz="2500" dirty="0" smtClean="0">
-              <a:uFill>
-                <a:solidFill/>
-              </a:uFill>
-            </a:endParaRPr>
           </a:p>
         </p:txBody>
       </p:sp>
@@ -5025,6 +4845,380 @@
 </file>
 
 <file path=ppt/slides/slide4.xml><?xml version="1.0" encoding="utf-8"?>
+<p:sld xmlns:a="http://schemas.openxmlformats.org/drawingml/2006/main" xmlns:r="http://schemas.openxmlformats.org/officeDocument/2006/relationships" xmlns:p="http://schemas.openxmlformats.org/presentationml/2006/main">
+  <p:cSld>
+    <p:spTree>
+      <p:nvGrpSpPr>
+        <p:cNvPr id="1" name=""/>
+        <p:cNvGrpSpPr/>
+        <p:nvPr/>
+      </p:nvGrpSpPr>
+      <p:grpSpPr>
+        <a:xfrm>
+          <a:off x="0" y="0"/>
+          <a:ext cx="0" cy="0"/>
+          <a:chOff x="0" y="0"/>
+          <a:chExt cx="0" cy="0"/>
+        </a:xfrm>
+      </p:grpSpPr>
+      <p:sp>
+        <p:nvSpPr>
+          <p:cNvPr id="2" name="TextBox 1"/>
+          <p:cNvSpPr txBox="1"/>
+          <p:nvPr/>
+        </p:nvSpPr>
+        <p:spPr>
+          <a:xfrm>
+            <a:off x="659081" y="566781"/>
+            <a:ext cx="1462339" cy="656590"/>
+          </a:xfrm>
+          <a:prstGeom prst="rect">
+            <a:avLst/>
+          </a:prstGeom>
+          <a:noFill/>
+          <a:ln w="12700" cap="flat">
+            <a:noFill/>
+            <a:miter lim="400000"/>
+          </a:ln>
+          <a:effectLst/>
+        </p:spPr>
+        <p:style>
+          <a:lnRef idx="0">
+            <a:scrgbClr r="0" g="0" b="0"/>
+          </a:lnRef>
+          <a:fillRef idx="0">
+            <a:scrgbClr r="0" g="0" b="0"/>
+          </a:fillRef>
+          <a:effectRef idx="0">
+            <a:scrgbClr r="0" g="0" b="0"/>
+          </a:effectRef>
+          <a:fontRef idx="none"/>
+        </p:style>
+        <p:txBody>
+          <a:bodyPr rot="0" spcFirstLastPara="1" vertOverflow="overflow" horzOverflow="overflow" vert="horz" wrap="none" lIns="50800" tIns="50800" rIns="50800" bIns="50800" numCol="1" spcCol="38100" rtlCol="0" anchor="ctr">
+            <a:spAutoFit/>
+          </a:bodyPr>
+          <a:lstStyle/>
+          <a:p>
+            <a:pPr marL="0" marR="0" indent="0" algn="l" defTabSz="1308100" rtl="0" fontAlgn="auto" latinLnBrk="1" hangingPunct="0">
+              <a:lnSpc>
+                <a:spcPct val="100000"/>
+              </a:lnSpc>
+              <a:spcBef>
+                <a:spcPts val="0"/>
+              </a:spcBef>
+              <a:spcAft>
+                <a:spcPts val="0"/>
+              </a:spcAft>
+              <a:buClrTx/>
+              <a:buSzTx/>
+              <a:buFontTx/>
+              <a:buNone/>
+              <a:tabLst/>
+            </a:pPr>
+            <a:r>
+              <a:rPr kumimoji="0" lang="en-US" sz="3600" b="0" i="0" u="none" strike="noStrike" cap="none" spc="0" normalizeH="0" baseline="0" dirty="0" smtClean="0">
+                <a:ln>
+                  <a:noFill/>
+                </a:ln>
+                <a:solidFill>
+                  <a:srgbClr val="000000"/>
+                </a:solidFill>
+                <a:effectLst/>
+                <a:uFill>
+                  <a:solidFill>
+                    <a:srgbClr val="FFFFFF"/>
+                  </a:solidFill>
+                </a:uFill>
+                <a:latin typeface="News706BT-RomanC"/>
+                <a:ea typeface="News706BT-RomanC"/>
+                <a:cs typeface="News706BT-RomanC"/>
+                <a:sym typeface="News706BT-RomanC"/>
+              </a:rPr>
+              <a:t>Topics</a:t>
+            </a:r>
+            <a:endParaRPr kumimoji="0" lang="en-US" sz="3600" b="0" i="0" u="none" strike="noStrike" cap="none" spc="0" normalizeH="0" baseline="0" dirty="0">
+              <a:ln>
+                <a:noFill/>
+              </a:ln>
+              <a:solidFill>
+                <a:srgbClr val="000000"/>
+              </a:solidFill>
+              <a:effectLst/>
+              <a:uFill>
+                <a:solidFill>
+                  <a:srgbClr val="FFFFFF"/>
+                </a:solidFill>
+              </a:uFill>
+              <a:latin typeface="News706BT-RomanC"/>
+              <a:ea typeface="News706BT-RomanC"/>
+              <a:cs typeface="News706BT-RomanC"/>
+              <a:sym typeface="News706BT-RomanC"/>
+            </a:endParaRPr>
+          </a:p>
+        </p:txBody>
+      </p:sp>
+      <p:sp>
+        <p:nvSpPr>
+          <p:cNvPr id="3" name="TextBox 2"/>
+          <p:cNvSpPr txBox="1"/>
+          <p:nvPr/>
+        </p:nvSpPr>
+        <p:spPr>
+          <a:xfrm>
+            <a:off x="851982" y="2053888"/>
+            <a:ext cx="10625677" cy="3180358"/>
+          </a:xfrm>
+          <a:prstGeom prst="rect">
+            <a:avLst/>
+          </a:prstGeom>
+          <a:noFill/>
+          <a:ln w="12700" cap="flat">
+            <a:noFill/>
+            <a:miter lim="400000"/>
+          </a:ln>
+          <a:effectLst/>
+        </p:spPr>
+        <p:style>
+          <a:lnRef idx="0">
+            <a:scrgbClr r="0" g="0" b="0"/>
+          </a:lnRef>
+          <a:fillRef idx="0">
+            <a:scrgbClr r="0" g="0" b="0"/>
+          </a:fillRef>
+          <a:effectRef idx="0">
+            <a:scrgbClr r="0" g="0" b="0"/>
+          </a:effectRef>
+          <a:fontRef idx="none"/>
+        </p:style>
+        <p:txBody>
+          <a:bodyPr rot="0" spcFirstLastPara="1" vertOverflow="overflow" horzOverflow="overflow" vert="horz" wrap="square" lIns="50800" tIns="50800" rIns="50800" bIns="50800" numCol="1" spcCol="38100" rtlCol="0" anchor="ctr">
+            <a:spAutoFit/>
+          </a:bodyPr>
+          <a:lstStyle/>
+          <a:p>
+            <a:pPr marL="342900" marR="0" indent="-342900" algn="l" defTabSz="1308100" rtl="0" fontAlgn="auto" latinLnBrk="1" hangingPunct="0">
+              <a:lnSpc>
+                <a:spcPct val="100000"/>
+              </a:lnSpc>
+              <a:spcBef>
+                <a:spcPts val="0"/>
+              </a:spcBef>
+              <a:spcAft>
+                <a:spcPts val="0"/>
+              </a:spcAft>
+              <a:buClrTx/>
+              <a:buSzTx/>
+              <a:buFont typeface="Arial"/>
+              <a:buChar char="•"/>
+              <a:tabLst/>
+            </a:pPr>
+            <a:r>
+              <a:rPr kumimoji="0" lang="en-US" sz="4000" b="0" i="0" u="none" strike="noStrike" cap="none" spc="0" normalizeH="0" baseline="0" dirty="0" smtClean="0">
+                <a:ln>
+                  <a:noFill/>
+                </a:ln>
+                <a:solidFill>
+                  <a:srgbClr val="000000"/>
+                </a:solidFill>
+                <a:effectLst/>
+                <a:uFill>
+                  <a:solidFill>
+                    <a:srgbClr val="FFFFFF"/>
+                  </a:solidFill>
+                </a:uFill>
+                <a:sym typeface="News706BT-RomanC"/>
+              </a:rPr>
+              <a:t>IPython:</a:t>
+            </a:r>
+            <a:r>
+              <a:rPr kumimoji="0" lang="en-US" sz="4000" b="0" i="0" u="none" strike="noStrike" cap="none" spc="0" normalizeH="0" dirty="0" smtClean="0">
+                <a:ln>
+                  <a:noFill/>
+                </a:ln>
+                <a:solidFill>
+                  <a:srgbClr val="000000"/>
+                </a:solidFill>
+                <a:effectLst/>
+                <a:uFill>
+                  <a:solidFill>
+                    <a:srgbClr val="FFFFFF"/>
+                  </a:solidFill>
+                </a:uFill>
+                <a:sym typeface="News706BT-RomanC"/>
+              </a:rPr>
+              <a:t> </a:t>
+            </a:r>
+            <a:r>
+              <a:rPr kumimoji="0" lang="en-US" sz="4000" b="0" i="0" u="none" strike="noStrike" cap="none" spc="0" normalizeH="0" dirty="0" err="1" smtClean="0">
+                <a:ln>
+                  <a:noFill/>
+                </a:ln>
+                <a:solidFill>
+                  <a:srgbClr val="000000"/>
+                </a:solidFill>
+                <a:effectLst/>
+                <a:uFill>
+                  <a:solidFill>
+                    <a:srgbClr val="FFFFFF"/>
+                  </a:solidFill>
+                </a:uFill>
+                <a:sym typeface="News706BT-RomanC"/>
+              </a:rPr>
+              <a:t>Numpy</a:t>
+            </a:r>
+            <a:r>
+              <a:rPr kumimoji="0" lang="en-US" sz="4000" b="0" i="0" u="none" strike="noStrike" cap="none" spc="0" normalizeH="0" dirty="0" smtClean="0">
+                <a:ln>
+                  <a:noFill/>
+                </a:ln>
+                <a:solidFill>
+                  <a:srgbClr val="000000"/>
+                </a:solidFill>
+                <a:effectLst/>
+                <a:uFill>
+                  <a:solidFill>
+                    <a:srgbClr val="FFFFFF"/>
+                  </a:solidFill>
+                </a:uFill>
+                <a:sym typeface="News706BT-RomanC"/>
+              </a:rPr>
+              <a:t>, Pandas, </a:t>
+            </a:r>
+            <a:r>
+              <a:rPr kumimoji="0" lang="en-US" sz="4000" b="0" i="0" u="none" strike="noStrike" cap="none" spc="0" normalizeH="0" dirty="0" err="1" smtClean="0">
+                <a:ln>
+                  <a:noFill/>
+                </a:ln>
+                <a:solidFill>
+                  <a:srgbClr val="000000"/>
+                </a:solidFill>
+                <a:effectLst/>
+                <a:uFill>
+                  <a:solidFill>
+                    <a:srgbClr val="FFFFFF"/>
+                  </a:solidFill>
+                </a:uFill>
+                <a:sym typeface="News706BT-RomanC"/>
+              </a:rPr>
+              <a:t>Matplotlib</a:t>
+            </a:r>
+            <a:endParaRPr kumimoji="0" lang="en-US" sz="4000" b="0" i="0" u="none" strike="noStrike" cap="none" spc="0" normalizeH="0" baseline="0" dirty="0" smtClean="0">
+              <a:ln>
+                <a:noFill/>
+              </a:ln>
+              <a:solidFill>
+                <a:srgbClr val="000000"/>
+              </a:solidFill>
+              <a:effectLst/>
+              <a:uFill>
+                <a:solidFill>
+                  <a:srgbClr val="FFFFFF"/>
+                </a:solidFill>
+              </a:uFill>
+              <a:sym typeface="News706BT-RomanC"/>
+            </a:endParaRPr>
+          </a:p>
+          <a:p>
+            <a:pPr marL="342900" lvl="1" indent="-342900" algn="l" rtl="0" latinLnBrk="1" hangingPunct="0">
+              <a:buFont typeface="Arial"/>
+              <a:buChar char="•"/>
+            </a:pPr>
+            <a:r>
+              <a:rPr kumimoji="0" lang="en-US" sz="4000" b="0" i="0" u="none" strike="noStrike" cap="none" spc="0" normalizeH="0" baseline="0" dirty="0" smtClean="0">
+                <a:ln>
+                  <a:noFill/>
+                </a:ln>
+                <a:solidFill>
+                  <a:srgbClr val="000000"/>
+                </a:solidFill>
+                <a:effectLst/>
+                <a:uFill>
+                  <a:solidFill>
+                    <a:srgbClr val="FFFFFF"/>
+                  </a:solidFill>
+                </a:uFill>
+                <a:sym typeface="News706BT-RomanC"/>
+              </a:rPr>
+              <a:t>Web Scraping</a:t>
+            </a:r>
+          </a:p>
+          <a:p>
+            <a:pPr marL="342900" lvl="1" indent="-342900" algn="l" rtl="0" latinLnBrk="1" hangingPunct="0">
+              <a:buFont typeface="Arial"/>
+              <a:buChar char="•"/>
+            </a:pPr>
+            <a:r>
+              <a:rPr lang="en-US" sz="4000" dirty="0" smtClean="0">
+                <a:solidFill>
+                  <a:srgbClr val="000000"/>
+                </a:solidFill>
+              </a:rPr>
+              <a:t>Machine Learning</a:t>
+            </a:r>
+          </a:p>
+          <a:p>
+            <a:pPr marL="342900" lvl="1" indent="-342900" algn="l" rtl="0" latinLnBrk="1" hangingPunct="0">
+              <a:buFont typeface="Arial"/>
+              <a:buChar char="•"/>
+            </a:pPr>
+            <a:r>
+              <a:rPr kumimoji="0" lang="en-US" sz="4000" b="0" i="0" u="none" strike="noStrike" cap="none" spc="0" normalizeH="0" baseline="0" dirty="0" smtClean="0">
+                <a:ln>
+                  <a:noFill/>
+                </a:ln>
+                <a:solidFill>
+                  <a:srgbClr val="000000"/>
+                </a:solidFill>
+                <a:effectLst/>
+                <a:uFill>
+                  <a:solidFill>
+                    <a:srgbClr val="FFFFFF"/>
+                  </a:solidFill>
+                </a:uFill>
+                <a:sym typeface="News706BT-RomanC"/>
+              </a:rPr>
+              <a:t>Flask Web App</a:t>
+            </a:r>
+          </a:p>
+          <a:p>
+            <a:pPr marL="342900" lvl="7" indent="-342900" algn="l" rtl="0" latinLnBrk="1" hangingPunct="0">
+              <a:buFont typeface="Arial"/>
+              <a:buChar char="•"/>
+            </a:pPr>
+            <a:endParaRPr kumimoji="0" lang="en-US" sz="4000" b="0" i="0" u="none" strike="noStrike" cap="none" spc="0" normalizeH="0" baseline="0" dirty="0">
+              <a:ln>
+                <a:noFill/>
+              </a:ln>
+              <a:solidFill>
+                <a:srgbClr val="000000"/>
+              </a:solidFill>
+              <a:effectLst/>
+              <a:uFill>
+                <a:solidFill>
+                  <a:srgbClr val="FFFFFF"/>
+                </a:solidFill>
+              </a:uFill>
+              <a:sym typeface="News706BT-RomanC"/>
+            </a:endParaRPr>
+          </a:p>
+        </p:txBody>
+      </p:sp>
+    </p:spTree>
+    <p:extLst>
+      <p:ext uri="{BB962C8B-B14F-4D97-AF65-F5344CB8AC3E}">
+        <p14:creationId xmlns:p14="http://schemas.microsoft.com/office/powerpoint/2010/main" val="4256721147"/>
+      </p:ext>
+    </p:extLst>
+  </p:cSld>
+  <p:clrMapOvr>
+    <a:masterClrMapping/>
+  </p:clrMapOvr>
+  <p:transition xmlns:p14="http://schemas.microsoft.com/office/powerpoint/2010/main" spd="med"/>
+</p:sld>
+</file>
+
+<file path=ppt/slides/slide5.xml><?xml version="1.0" encoding="utf-8"?>
 <p:sld xmlns:a="http://schemas.openxmlformats.org/drawingml/2006/main" xmlns:r="http://schemas.openxmlformats.org/officeDocument/2006/relationships" xmlns:p="http://schemas.openxmlformats.org/presentationml/2006/main">
   <p:cSld>
     <p:spTree>
@@ -5335,7 +5529,7 @@
 </p:sld>
 </file>
 
-<file path=ppt/slides/slide5.xml><?xml version="1.0" encoding="utf-8"?>
+<file path=ppt/slides/slide6.xml><?xml version="1.0" encoding="utf-8"?>
 <p:sld xmlns:a="http://schemas.openxmlformats.org/drawingml/2006/main" xmlns:r="http://schemas.openxmlformats.org/officeDocument/2006/relationships" xmlns:p="http://schemas.openxmlformats.org/presentationml/2006/main">
   <p:cSld>
     <p:spTree>
@@ -5440,7 +5634,7 @@
 </p:sld>
 </file>
 
-<file path=ppt/slides/slide6.xml><?xml version="1.0" encoding="utf-8"?>
+<file path=ppt/slides/slide7.xml><?xml version="1.0" encoding="utf-8"?>
 <p:sld xmlns:a="http://schemas.openxmlformats.org/drawingml/2006/main" xmlns:r="http://schemas.openxmlformats.org/officeDocument/2006/relationships" xmlns:p="http://schemas.openxmlformats.org/presentationml/2006/main">
   <p:cSld>
     <p:spTree>
@@ -5686,7 +5880,7 @@
 </p:sld>
 </file>
 
-<file path=ppt/slides/slide7.xml><?xml version="1.0" encoding="utf-8"?>
+<file path=ppt/slides/slide8.xml><?xml version="1.0" encoding="utf-8"?>
 <p:sld xmlns:a="http://schemas.openxmlformats.org/drawingml/2006/main" xmlns:r="http://schemas.openxmlformats.org/officeDocument/2006/relationships" xmlns:p="http://schemas.openxmlformats.org/presentationml/2006/main">
   <p:cSld>
     <p:spTree>
@@ -6021,7 +6215,7 @@
 </p:sld>
 </file>
 
-<file path=ppt/slides/slide8.xml><?xml version="1.0" encoding="utf-8"?>
+<file path=ppt/slides/slide9.xml><?xml version="1.0" encoding="utf-8"?>
 <p:sld xmlns:a="http://schemas.openxmlformats.org/drawingml/2006/main" xmlns:r="http://schemas.openxmlformats.org/officeDocument/2006/relationships" xmlns:p="http://schemas.openxmlformats.org/presentationml/2006/main">
   <p:cSld>
     <p:spTree>
@@ -6514,85 +6708,6 @@
     <a:masterClrMapping/>
   </p:clrMapOvr>
   <p:transition xmlns:p14="http://schemas.microsoft.com/office/powerpoint/2010/main" spd="med"/>
-  <p:timing>
-    <p:tnLst>
-      <p:par>
-        <p:cTn xmlns:p14="http://schemas.microsoft.com/office/powerpoint/2010/main" id="1" dur="indefinite" restart="never" nodeType="tmRoot"/>
-      </p:par>
-    </p:tnLst>
-  </p:timing>
-</p:sld>
-</file>
-
-<file path=ppt/slides/slide9.xml><?xml version="1.0" encoding="utf-8"?>
-<p:sld xmlns:a="http://schemas.openxmlformats.org/drawingml/2006/main" xmlns:r="http://schemas.openxmlformats.org/officeDocument/2006/relationships" xmlns:p="http://schemas.openxmlformats.org/presentationml/2006/main">
-  <p:cSld>
-    <p:spTree>
-      <p:nvGrpSpPr>
-        <p:cNvPr id="1" name=""/>
-        <p:cNvGrpSpPr/>
-        <p:nvPr/>
-      </p:nvGrpSpPr>
-      <p:grpSpPr>
-        <a:xfrm>
-          <a:off x="0" y="0"/>
-          <a:ext cx="0" cy="0"/>
-          <a:chOff x="0" y="0"/>
-          <a:chExt cx="0" cy="0"/>
-        </a:xfrm>
-      </p:grpSpPr>
-      <p:sp>
-        <p:nvSpPr>
-          <p:cNvPr id="2" name="Title 1"/>
-          <p:cNvSpPr>
-            <a:spLocks noGrp="1"/>
-          </p:cNvSpPr>
-          <p:nvPr>
-            <p:ph type="ctrTitle"/>
-          </p:nvPr>
-        </p:nvSpPr>
-        <p:spPr/>
-        <p:txBody>
-          <a:bodyPr/>
-          <a:lstStyle/>
-          <a:p>
-            <a:endParaRPr lang="en-US" dirty="0"/>
-          </a:p>
-        </p:txBody>
-      </p:sp>
-      <p:sp>
-        <p:nvSpPr>
-          <p:cNvPr id="3" name="Subtitle 2"/>
-          <p:cNvSpPr>
-            <a:spLocks noGrp="1"/>
-          </p:cNvSpPr>
-          <p:nvPr>
-            <p:ph type="subTitle" idx="1"/>
-          </p:nvPr>
-        </p:nvSpPr>
-        <p:spPr/>
-        <p:txBody>
-          <a:bodyPr/>
-          <a:lstStyle/>
-          <a:p>
-            <a:r>
-              <a:rPr lang="en-US" dirty="0" smtClean="0"/>
-              <a:t>[Pandas demo]</a:t>
-            </a:r>
-            <a:endParaRPr lang="en-US" dirty="0"/>
-          </a:p>
-        </p:txBody>
-      </p:sp>
-    </p:spTree>
-    <p:extLst>
-      <p:ext uri="{BB962C8B-B14F-4D97-AF65-F5344CB8AC3E}">
-        <p14:creationId xmlns:p14="http://schemas.microsoft.com/office/powerpoint/2010/main" val="1799761309"/>
-      </p:ext>
-    </p:extLst>
-  </p:cSld>
-  <p:clrMapOvr>
-    <a:masterClrMapping/>
-  </p:clrMapOvr>
   <p:timing>
     <p:tnLst>
       <p:par>

--- a/Python4DS.pptx
+++ b/Python4DS.pptx
@@ -668,7 +668,7 @@
             <a:fld id="{1D8BD707-D9CF-40AE-B4C6-C98DA3205C09}" type="datetimeFigureOut">
               <a:rPr lang="en-US" smtClean="0"/>
               <a:pPr/>
-              <a:t>10/31/15</a:t>
+              <a:t>3/6/16</a:t>
             </a:fld>
             <a:endParaRPr lang="en-US"/>
           </a:p>
@@ -4481,8 +4481,13 @@
                   <a:solidFill/>
                 </a:uFill>
               </a:rPr>
-              <a:t>Scientist</a:t>
-            </a:r>
+              <a:t>Scientist at TSI</a:t>
+            </a:r>
+            <a:endParaRPr lang="en-US" sz="2500" dirty="0" smtClean="0">
+              <a:uFill>
+                <a:solidFill/>
+              </a:uFill>
+            </a:endParaRPr>
           </a:p>
           <a:p>
             <a:pPr marL="246944" lvl="1" indent="-246944" defTabSz="647700">
@@ -4563,7 +4568,15 @@
                   <a:solidFill/>
                 </a:uFill>
               </a:rPr>
-              <a:t>Teach Physics and Astronomy</a:t>
+              <a:t>Teach </a:t>
+            </a:r>
+            <a:r>
+              <a:rPr lang="en-US" sz="2500" dirty="0" smtClean="0">
+                <a:uFill>
+                  <a:solidFill/>
+                </a:uFill>
+              </a:rPr>
+              <a:t>Data Science, Physics, Astronomy</a:t>
             </a:r>
             <a:endParaRPr sz="2500" dirty="0">
               <a:uFill>
@@ -4701,7 +4714,7 @@
         <p:spPr>
           <a:xfrm>
             <a:off x="635000" y="2273300"/>
-            <a:ext cx="11734800" cy="1840247"/>
+            <a:ext cx="11734800" cy="2314736"/>
           </a:xfrm>
           <a:prstGeom prst="rect">
             <a:avLst/>
@@ -4759,14 +4772,6 @@
                 <a:uFillTx/>
               </a:defRPr>
             </a:pPr>
-            <a:r>
-              <a:rPr lang="en-US" sz="2500" dirty="0" smtClean="0">
-                <a:uFill>
-                  <a:solidFill/>
-                </a:uFill>
-              </a:rPr>
-              <a:t>Tell us about your best Halloween costume – real or imagined</a:t>
-            </a:r>
             <a:endParaRPr lang="en-US" sz="2500" dirty="0">
               <a:uFill>
                 <a:solidFill/>
@@ -4788,14 +4793,11 @@
                 <a:uFillTx/>
               </a:defRPr>
             </a:pPr>
-            <a:r>
-              <a:rPr lang="en-US" sz="2500" dirty="0" smtClean="0">
-                <a:uFill>
-                  <a:solidFill/>
-                </a:uFill>
-              </a:rPr>
-              <a:t>Who would you be if you were a spooky character?</a:t>
-            </a:r>
+            <a:endParaRPr lang="en-US" sz="2500" dirty="0" smtClean="0">
+              <a:uFill>
+                <a:solidFill/>
+              </a:uFill>
+            </a:endParaRPr>
           </a:p>
           <a:p>
             <a:pPr marL="246944" lvl="1" indent="-246944" defTabSz="647700">
@@ -4818,8 +4820,29 @@
                   <a:solidFill/>
                 </a:uFill>
               </a:rPr>
-              <a:t>What’s the scariest thing that happened to you?</a:t>
-            </a:r>
+              <a:t>What would you like out of the class?</a:t>
+            </a:r>
+          </a:p>
+          <a:p>
+            <a:pPr marL="246944" lvl="1" indent="-246944" defTabSz="647700">
+              <a:lnSpc>
+                <a:spcPct val="110000"/>
+              </a:lnSpc>
+              <a:spcBef>
+                <a:spcPts val="400"/>
+              </a:spcBef>
+              <a:buSzPct val="85000"/>
+              <a:buFont typeface="Lucida Grande"/>
+              <a:buChar char="‣"/>
+              <a:defRPr sz="1800">
+                <a:uFillTx/>
+              </a:defRPr>
+            </a:pPr>
+            <a:endParaRPr lang="en-US" sz="2500" dirty="0" smtClean="0">
+              <a:uFill>
+                <a:solidFill/>
+              </a:uFill>
+            </a:endParaRPr>
           </a:p>
         </p:txBody>
       </p:sp>
